--- a/docs/AIAA 2016/fig/highway_illustration.pptx
+++ b/docs/AIAA 2016/fig/highway_illustration.pptx
@@ -2,18 +2,18 @@
 <file path=ppt/presentation.xml><?xml version="1.0" encoding="utf-8"?>
 <p:presentation xmlns:a="http://schemas.openxmlformats.org/drawingml/2006/main" xmlns:r="http://schemas.openxmlformats.org/officeDocument/2006/relationships" xmlns:p="http://schemas.openxmlformats.org/presentationml/2006/main" saveSubsetFonts="1" autoCompressPictures="0">
   <p:sldMasterIdLst>
-    <p:sldMasterId id="2147483660" r:id="rId1"/>
+    <p:sldMasterId id="2147483684" r:id="rId1"/>
   </p:sldMasterIdLst>
   <p:sldIdLst>
-    <p:sldId id="256" r:id="rId2"/>
+    <p:sldId id="259" r:id="rId2"/>
   </p:sldIdLst>
-  <p:sldSz cx="9144000" cy="6858000" type="screen4x3"/>
+  <p:sldSz cx="9144000" cy="13716000"/>
   <p:notesSz cx="6858000" cy="9144000"/>
   <p:defaultTextStyle>
     <a:defPPr>
       <a:defRPr lang="en-US"/>
     </a:defPPr>
-    <a:lvl1pPr marL="0" algn="l" defTabSz="914400" rtl="0" eaLnBrk="1" latinLnBrk="0" hangingPunct="1">
+    <a:lvl1pPr marL="0" algn="l" defTabSz="457200" rtl="0" eaLnBrk="1" latinLnBrk="0" hangingPunct="1">
       <a:defRPr sz="1800" kern="1200">
         <a:solidFill>
           <a:schemeClr val="tx1"/>
@@ -23,7 +23,7 @@
         <a:cs typeface="+mn-cs"/>
       </a:defRPr>
     </a:lvl1pPr>
-    <a:lvl2pPr marL="457200" algn="l" defTabSz="914400" rtl="0" eaLnBrk="1" latinLnBrk="0" hangingPunct="1">
+    <a:lvl2pPr marL="457200" algn="l" defTabSz="457200" rtl="0" eaLnBrk="1" latinLnBrk="0" hangingPunct="1">
       <a:defRPr sz="1800" kern="1200">
         <a:solidFill>
           <a:schemeClr val="tx1"/>
@@ -33,7 +33,7 @@
         <a:cs typeface="+mn-cs"/>
       </a:defRPr>
     </a:lvl2pPr>
-    <a:lvl3pPr marL="914400" algn="l" defTabSz="914400" rtl="0" eaLnBrk="1" latinLnBrk="0" hangingPunct="1">
+    <a:lvl3pPr marL="914400" algn="l" defTabSz="457200" rtl="0" eaLnBrk="1" latinLnBrk="0" hangingPunct="1">
       <a:defRPr sz="1800" kern="1200">
         <a:solidFill>
           <a:schemeClr val="tx1"/>
@@ -43,7 +43,7 @@
         <a:cs typeface="+mn-cs"/>
       </a:defRPr>
     </a:lvl3pPr>
-    <a:lvl4pPr marL="1371600" algn="l" defTabSz="914400" rtl="0" eaLnBrk="1" latinLnBrk="0" hangingPunct="1">
+    <a:lvl4pPr marL="1371600" algn="l" defTabSz="457200" rtl="0" eaLnBrk="1" latinLnBrk="0" hangingPunct="1">
       <a:defRPr sz="1800" kern="1200">
         <a:solidFill>
           <a:schemeClr val="tx1"/>
@@ -53,7 +53,7 @@
         <a:cs typeface="+mn-cs"/>
       </a:defRPr>
     </a:lvl4pPr>
-    <a:lvl5pPr marL="1828800" algn="l" defTabSz="914400" rtl="0" eaLnBrk="1" latinLnBrk="0" hangingPunct="1">
+    <a:lvl5pPr marL="1828800" algn="l" defTabSz="457200" rtl="0" eaLnBrk="1" latinLnBrk="0" hangingPunct="1">
       <a:defRPr sz="1800" kern="1200">
         <a:solidFill>
           <a:schemeClr val="tx1"/>
@@ -63,7 +63,7 @@
         <a:cs typeface="+mn-cs"/>
       </a:defRPr>
     </a:lvl5pPr>
-    <a:lvl6pPr marL="2286000" algn="l" defTabSz="914400" rtl="0" eaLnBrk="1" latinLnBrk="0" hangingPunct="1">
+    <a:lvl6pPr marL="2286000" algn="l" defTabSz="457200" rtl="0" eaLnBrk="1" latinLnBrk="0" hangingPunct="1">
       <a:defRPr sz="1800" kern="1200">
         <a:solidFill>
           <a:schemeClr val="tx1"/>
@@ -73,7 +73,7 @@
         <a:cs typeface="+mn-cs"/>
       </a:defRPr>
     </a:lvl6pPr>
-    <a:lvl7pPr marL="2743200" algn="l" defTabSz="914400" rtl="0" eaLnBrk="1" latinLnBrk="0" hangingPunct="1">
+    <a:lvl7pPr marL="2743200" algn="l" defTabSz="457200" rtl="0" eaLnBrk="1" latinLnBrk="0" hangingPunct="1">
       <a:defRPr sz="1800" kern="1200">
         <a:solidFill>
           <a:schemeClr val="tx1"/>
@@ -83,7 +83,7 @@
         <a:cs typeface="+mn-cs"/>
       </a:defRPr>
     </a:lvl7pPr>
-    <a:lvl8pPr marL="3200400" algn="l" defTabSz="914400" rtl="0" eaLnBrk="1" latinLnBrk="0" hangingPunct="1">
+    <a:lvl8pPr marL="3200400" algn="l" defTabSz="457200" rtl="0" eaLnBrk="1" latinLnBrk="0" hangingPunct="1">
       <a:defRPr sz="1800" kern="1200">
         <a:solidFill>
           <a:schemeClr val="tx1"/>
@@ -93,7 +93,7 @@
         <a:cs typeface="+mn-cs"/>
       </a:defRPr>
     </a:lvl8pPr>
-    <a:lvl9pPr marL="3657600" algn="l" defTabSz="914400" rtl="0" eaLnBrk="1" latinLnBrk="0" hangingPunct="1">
+    <a:lvl9pPr marL="3657600" algn="l" defTabSz="457200" rtl="0" eaLnBrk="1" latinLnBrk="0" hangingPunct="1">
       <a:defRPr sz="1800" kern="1200">
         <a:solidFill>
           <a:schemeClr val="tx1"/>
@@ -141,8 +141,8 @@
         </p:nvSpPr>
         <p:spPr>
           <a:xfrm>
-            <a:off x="685800" y="1122363"/>
-            <a:ext cx="7772400" cy="2387600"/>
+            <a:off x="685800" y="2244726"/>
+            <a:ext cx="7772400" cy="4775200"/>
           </a:xfrm>
         </p:spPr>
         <p:txBody>
@@ -173,8 +173,8 @@
         </p:nvSpPr>
         <p:spPr>
           <a:xfrm>
-            <a:off x="1143000" y="3602038"/>
-            <a:ext cx="6858000" cy="1655762"/>
+            <a:off x="1143000" y="7204076"/>
+            <a:ext cx="6858000" cy="3311524"/>
           </a:xfrm>
         </p:spPr>
         <p:txBody>
@@ -243,7 +243,7 @@
           <a:p>
             <a:fld id="{00C884BF-53C2-E345-8F8B-60AACF09BB9A}" type="datetimeFigureOut">
               <a:rPr lang="en-US" smtClean="0"/>
-              <a:t>1/8/16</a:t>
+              <a:t>2/17/2016</a:t>
             </a:fld>
             <a:endParaRPr lang="en-US"/>
           </a:p>
@@ -294,7 +294,7 @@
     </p:spTree>
     <p:extLst>
       <p:ext uri="{BB962C8B-B14F-4D97-AF65-F5344CB8AC3E}">
-        <p14:creationId xmlns:p14="http://schemas.microsoft.com/office/powerpoint/2010/main" val="1433105176"/>
+        <p14:creationId xmlns:p14="http://schemas.microsoft.com/office/powerpoint/2010/main" val="1570399459"/>
       </p:ext>
     </p:extLst>
   </p:cSld>
@@ -362,7 +362,7 @@
             <a:pPr lvl="0"/>
             <a:r>
               <a:rPr lang="en-US" smtClean="0"/>
-              <a:t>Click to edit Master text styles</a:t>
+              <a:t>Edit Master text styles</a:t>
             </a:r>
           </a:p>
           <a:p>
@@ -413,7 +413,7 @@
           <a:p>
             <a:fld id="{00C884BF-53C2-E345-8F8B-60AACF09BB9A}" type="datetimeFigureOut">
               <a:rPr lang="en-US" smtClean="0"/>
-              <a:t>1/8/16</a:t>
+              <a:t>2/17/2016</a:t>
             </a:fld>
             <a:endParaRPr lang="en-US"/>
           </a:p>
@@ -464,7 +464,7 @@
     </p:spTree>
     <p:extLst>
       <p:ext uri="{BB962C8B-B14F-4D97-AF65-F5344CB8AC3E}">
-        <p14:creationId xmlns:p14="http://schemas.microsoft.com/office/powerpoint/2010/main" val="521077283"/>
+        <p14:creationId xmlns:p14="http://schemas.microsoft.com/office/powerpoint/2010/main" val="2579000801"/>
       </p:ext>
     </p:extLst>
   </p:cSld>
@@ -503,8 +503,8 @@
         </p:nvSpPr>
         <p:spPr>
           <a:xfrm>
-            <a:off x="6543675" y="365125"/>
-            <a:ext cx="1971675" cy="5811838"/>
+            <a:off x="6543676" y="730250"/>
+            <a:ext cx="1971675" cy="11623676"/>
           </a:xfrm>
         </p:spPr>
         <p:txBody>
@@ -531,8 +531,8 @@
         </p:nvSpPr>
         <p:spPr>
           <a:xfrm>
-            <a:off x="628650" y="365125"/>
-            <a:ext cx="5800725" cy="5811838"/>
+            <a:off x="628651" y="730250"/>
+            <a:ext cx="5800725" cy="11623676"/>
           </a:xfrm>
         </p:spPr>
         <p:txBody>
@@ -542,7 +542,7 @@
             <a:pPr lvl="0"/>
             <a:r>
               <a:rPr lang="en-US" smtClean="0"/>
-              <a:t>Click to edit Master text styles</a:t>
+              <a:t>Edit Master text styles</a:t>
             </a:r>
           </a:p>
           <a:p>
@@ -593,7 +593,7 @@
           <a:p>
             <a:fld id="{00C884BF-53C2-E345-8F8B-60AACF09BB9A}" type="datetimeFigureOut">
               <a:rPr lang="en-US" smtClean="0"/>
-              <a:t>1/8/16</a:t>
+              <a:t>2/17/2016</a:t>
             </a:fld>
             <a:endParaRPr lang="en-US"/>
           </a:p>
@@ -644,7 +644,7 @@
     </p:spTree>
     <p:extLst>
       <p:ext uri="{BB962C8B-B14F-4D97-AF65-F5344CB8AC3E}">
-        <p14:creationId xmlns:p14="http://schemas.microsoft.com/office/powerpoint/2010/main" val="307582915"/>
+        <p14:creationId xmlns:p14="http://schemas.microsoft.com/office/powerpoint/2010/main" val="3805384687"/>
       </p:ext>
     </p:extLst>
   </p:cSld>
@@ -712,7 +712,7 @@
             <a:pPr lvl="0"/>
             <a:r>
               <a:rPr lang="en-US" smtClean="0"/>
-              <a:t>Click to edit Master text styles</a:t>
+              <a:t>Edit Master text styles</a:t>
             </a:r>
           </a:p>
           <a:p>
@@ -763,7 +763,7 @@
           <a:p>
             <a:fld id="{00C884BF-53C2-E345-8F8B-60AACF09BB9A}" type="datetimeFigureOut">
               <a:rPr lang="en-US" smtClean="0"/>
-              <a:t>1/8/16</a:t>
+              <a:t>2/17/2016</a:t>
             </a:fld>
             <a:endParaRPr lang="en-US"/>
           </a:p>
@@ -814,7 +814,7 @@
     </p:spTree>
     <p:extLst>
       <p:ext uri="{BB962C8B-B14F-4D97-AF65-F5344CB8AC3E}">
-        <p14:creationId xmlns:p14="http://schemas.microsoft.com/office/powerpoint/2010/main" val="22108280"/>
+        <p14:creationId xmlns:p14="http://schemas.microsoft.com/office/powerpoint/2010/main" val="1408029172"/>
       </p:ext>
     </p:extLst>
   </p:cSld>
@@ -853,8 +853,8 @@
         </p:nvSpPr>
         <p:spPr>
           <a:xfrm>
-            <a:off x="623888" y="1709739"/>
-            <a:ext cx="7886700" cy="2852737"/>
+            <a:off x="623888" y="3419479"/>
+            <a:ext cx="7886700" cy="5705474"/>
           </a:xfrm>
         </p:spPr>
         <p:txBody>
@@ -885,8 +885,8 @@
         </p:nvSpPr>
         <p:spPr>
           <a:xfrm>
-            <a:off x="623888" y="4589464"/>
-            <a:ext cx="7886700" cy="1500187"/>
+            <a:off x="623888" y="9178929"/>
+            <a:ext cx="7886700" cy="3000374"/>
           </a:xfrm>
         </p:spPr>
         <p:txBody>
@@ -985,7 +985,7 @@
             <a:pPr lvl="0"/>
             <a:r>
               <a:rPr lang="en-US" smtClean="0"/>
-              <a:t>Click to edit Master text styles</a:t>
+              <a:t>Edit Master text styles</a:t>
             </a:r>
           </a:p>
         </p:txBody>
@@ -1007,7 +1007,7 @@
           <a:p>
             <a:fld id="{00C884BF-53C2-E345-8F8B-60AACF09BB9A}" type="datetimeFigureOut">
               <a:rPr lang="en-US" smtClean="0"/>
-              <a:t>1/8/16</a:t>
+              <a:t>2/17/2016</a:t>
             </a:fld>
             <a:endParaRPr lang="en-US"/>
           </a:p>
@@ -1058,7 +1058,7 @@
     </p:spTree>
     <p:extLst>
       <p:ext uri="{BB962C8B-B14F-4D97-AF65-F5344CB8AC3E}">
-        <p14:creationId xmlns:p14="http://schemas.microsoft.com/office/powerpoint/2010/main" val="59191029"/>
+        <p14:creationId xmlns:p14="http://schemas.microsoft.com/office/powerpoint/2010/main" val="2902943762"/>
       </p:ext>
     </p:extLst>
   </p:cSld>
@@ -1120,8 +1120,8 @@
         </p:nvSpPr>
         <p:spPr>
           <a:xfrm>
-            <a:off x="628650" y="1825625"/>
-            <a:ext cx="3886200" cy="4351338"/>
+            <a:off x="628650" y="3651250"/>
+            <a:ext cx="3886200" cy="8702676"/>
           </a:xfrm>
         </p:spPr>
         <p:txBody>
@@ -1131,7 +1131,7 @@
             <a:pPr lvl="0"/>
             <a:r>
               <a:rPr lang="en-US" smtClean="0"/>
-              <a:t>Click to edit Master text styles</a:t>
+              <a:t>Edit Master text styles</a:t>
             </a:r>
           </a:p>
           <a:p>
@@ -1177,8 +1177,8 @@
         </p:nvSpPr>
         <p:spPr>
           <a:xfrm>
-            <a:off x="4629150" y="1825625"/>
-            <a:ext cx="3886200" cy="4351338"/>
+            <a:off x="4629150" y="3651250"/>
+            <a:ext cx="3886200" cy="8702676"/>
           </a:xfrm>
         </p:spPr>
         <p:txBody>
@@ -1188,7 +1188,7 @@
             <a:pPr lvl="0"/>
             <a:r>
               <a:rPr lang="en-US" smtClean="0"/>
-              <a:t>Click to edit Master text styles</a:t>
+              <a:t>Edit Master text styles</a:t>
             </a:r>
           </a:p>
           <a:p>
@@ -1239,7 +1239,7 @@
           <a:p>
             <a:fld id="{00C884BF-53C2-E345-8F8B-60AACF09BB9A}" type="datetimeFigureOut">
               <a:rPr lang="en-US" smtClean="0"/>
-              <a:t>1/8/16</a:t>
+              <a:t>2/17/2016</a:t>
             </a:fld>
             <a:endParaRPr lang="en-US"/>
           </a:p>
@@ -1290,7 +1290,7 @@
     </p:spTree>
     <p:extLst>
       <p:ext uri="{BB962C8B-B14F-4D97-AF65-F5344CB8AC3E}">
-        <p14:creationId xmlns:p14="http://schemas.microsoft.com/office/powerpoint/2010/main" val="538695842"/>
+        <p14:creationId xmlns:p14="http://schemas.microsoft.com/office/powerpoint/2010/main" val="2544994693"/>
       </p:ext>
     </p:extLst>
   </p:cSld>
@@ -1329,8 +1329,8 @@
         </p:nvSpPr>
         <p:spPr>
           <a:xfrm>
-            <a:off x="629841" y="365126"/>
-            <a:ext cx="7886700" cy="1325563"/>
+            <a:off x="629841" y="730253"/>
+            <a:ext cx="7886700" cy="2651126"/>
           </a:xfrm>
         </p:spPr>
         <p:txBody>
@@ -1357,8 +1357,8 @@
         </p:nvSpPr>
         <p:spPr>
           <a:xfrm>
-            <a:off x="629842" y="1681163"/>
-            <a:ext cx="3868340" cy="823912"/>
+            <a:off x="629842" y="3362326"/>
+            <a:ext cx="3868340" cy="1647824"/>
           </a:xfrm>
         </p:spPr>
         <p:txBody>
@@ -1405,7 +1405,7 @@
             <a:pPr lvl="0"/>
             <a:r>
               <a:rPr lang="en-US" smtClean="0"/>
-              <a:t>Click to edit Master text styles</a:t>
+              <a:t>Edit Master text styles</a:t>
             </a:r>
           </a:p>
         </p:txBody>
@@ -1422,8 +1422,8 @@
         </p:nvSpPr>
         <p:spPr>
           <a:xfrm>
-            <a:off x="629842" y="2505075"/>
-            <a:ext cx="3868340" cy="3684588"/>
+            <a:off x="629842" y="5010150"/>
+            <a:ext cx="3868340" cy="7369176"/>
           </a:xfrm>
         </p:spPr>
         <p:txBody>
@@ -1433,7 +1433,7 @@
             <a:pPr lvl="0"/>
             <a:r>
               <a:rPr lang="en-US" smtClean="0"/>
-              <a:t>Click to edit Master text styles</a:t>
+              <a:t>Edit Master text styles</a:t>
             </a:r>
           </a:p>
           <a:p>
@@ -1479,8 +1479,8 @@
         </p:nvSpPr>
         <p:spPr>
           <a:xfrm>
-            <a:off x="4629150" y="1681163"/>
-            <a:ext cx="3887391" cy="823912"/>
+            <a:off x="4629151" y="3362326"/>
+            <a:ext cx="3887391" cy="1647824"/>
           </a:xfrm>
         </p:spPr>
         <p:txBody>
@@ -1527,7 +1527,7 @@
             <a:pPr lvl="0"/>
             <a:r>
               <a:rPr lang="en-US" smtClean="0"/>
-              <a:t>Click to edit Master text styles</a:t>
+              <a:t>Edit Master text styles</a:t>
             </a:r>
           </a:p>
         </p:txBody>
@@ -1544,8 +1544,8 @@
         </p:nvSpPr>
         <p:spPr>
           <a:xfrm>
-            <a:off x="4629150" y="2505075"/>
-            <a:ext cx="3887391" cy="3684588"/>
+            <a:off x="4629151" y="5010150"/>
+            <a:ext cx="3887391" cy="7369176"/>
           </a:xfrm>
         </p:spPr>
         <p:txBody>
@@ -1555,7 +1555,7 @@
             <a:pPr lvl="0"/>
             <a:r>
               <a:rPr lang="en-US" smtClean="0"/>
-              <a:t>Click to edit Master text styles</a:t>
+              <a:t>Edit Master text styles</a:t>
             </a:r>
           </a:p>
           <a:p>
@@ -1606,7 +1606,7 @@
           <a:p>
             <a:fld id="{00C884BF-53C2-E345-8F8B-60AACF09BB9A}" type="datetimeFigureOut">
               <a:rPr lang="en-US" smtClean="0"/>
-              <a:t>1/8/16</a:t>
+              <a:t>2/17/2016</a:t>
             </a:fld>
             <a:endParaRPr lang="en-US"/>
           </a:p>
@@ -1657,7 +1657,7 @@
     </p:spTree>
     <p:extLst>
       <p:ext uri="{BB962C8B-B14F-4D97-AF65-F5344CB8AC3E}">
-        <p14:creationId xmlns:p14="http://schemas.microsoft.com/office/powerpoint/2010/main" val="69960742"/>
+        <p14:creationId xmlns:p14="http://schemas.microsoft.com/office/powerpoint/2010/main" val="2484173177"/>
       </p:ext>
     </p:extLst>
   </p:cSld>
@@ -1724,7 +1724,7 @@
           <a:p>
             <a:fld id="{00C884BF-53C2-E345-8F8B-60AACF09BB9A}" type="datetimeFigureOut">
               <a:rPr lang="en-US" smtClean="0"/>
-              <a:t>1/8/16</a:t>
+              <a:t>2/17/2016</a:t>
             </a:fld>
             <a:endParaRPr lang="en-US"/>
           </a:p>
@@ -1775,7 +1775,7 @@
     </p:spTree>
     <p:extLst>
       <p:ext uri="{BB962C8B-B14F-4D97-AF65-F5344CB8AC3E}">
-        <p14:creationId xmlns:p14="http://schemas.microsoft.com/office/powerpoint/2010/main" val="1156635885"/>
+        <p14:creationId xmlns:p14="http://schemas.microsoft.com/office/powerpoint/2010/main" val="3462666058"/>
       </p:ext>
     </p:extLst>
   </p:cSld>
@@ -1819,7 +1819,7 @@
           <a:p>
             <a:fld id="{00C884BF-53C2-E345-8F8B-60AACF09BB9A}" type="datetimeFigureOut">
               <a:rPr lang="en-US" smtClean="0"/>
-              <a:t>1/8/16</a:t>
+              <a:t>2/17/2016</a:t>
             </a:fld>
             <a:endParaRPr lang="en-US"/>
           </a:p>
@@ -1870,7 +1870,7 @@
     </p:spTree>
     <p:extLst>
       <p:ext uri="{BB962C8B-B14F-4D97-AF65-F5344CB8AC3E}">
-        <p14:creationId xmlns:p14="http://schemas.microsoft.com/office/powerpoint/2010/main" val="557346551"/>
+        <p14:creationId xmlns:p14="http://schemas.microsoft.com/office/powerpoint/2010/main" val="1321721453"/>
       </p:ext>
     </p:extLst>
   </p:cSld>
@@ -1909,8 +1909,8 @@
         </p:nvSpPr>
         <p:spPr>
           <a:xfrm>
-            <a:off x="629841" y="457200"/>
-            <a:ext cx="2949178" cy="1600200"/>
+            <a:off x="629841" y="914400"/>
+            <a:ext cx="2949178" cy="3200400"/>
           </a:xfrm>
         </p:spPr>
         <p:txBody>
@@ -1941,8 +1941,8 @@
         </p:nvSpPr>
         <p:spPr>
           <a:xfrm>
-            <a:off x="3887391" y="987426"/>
-            <a:ext cx="4629150" cy="4873625"/>
+            <a:off x="3887391" y="1974853"/>
+            <a:ext cx="4629150" cy="9747250"/>
           </a:xfrm>
         </p:spPr>
         <p:txBody>
@@ -1980,7 +1980,7 @@
             <a:pPr lvl="0"/>
             <a:r>
               <a:rPr lang="en-US" smtClean="0"/>
-              <a:t>Click to edit Master text styles</a:t>
+              <a:t>Edit Master text styles</a:t>
             </a:r>
           </a:p>
           <a:p>
@@ -2026,8 +2026,8 @@
         </p:nvSpPr>
         <p:spPr>
           <a:xfrm>
-            <a:off x="629841" y="2057400"/>
-            <a:ext cx="2949178" cy="3811588"/>
+            <a:off x="629841" y="4114800"/>
+            <a:ext cx="2949178" cy="7623176"/>
           </a:xfrm>
         </p:spPr>
         <p:txBody>
@@ -2074,7 +2074,7 @@
             <a:pPr lvl="0"/>
             <a:r>
               <a:rPr lang="en-US" smtClean="0"/>
-              <a:t>Click to edit Master text styles</a:t>
+              <a:t>Edit Master text styles</a:t>
             </a:r>
           </a:p>
         </p:txBody>
@@ -2096,7 +2096,7 @@
           <a:p>
             <a:fld id="{00C884BF-53C2-E345-8F8B-60AACF09BB9A}" type="datetimeFigureOut">
               <a:rPr lang="en-US" smtClean="0"/>
-              <a:t>1/8/16</a:t>
+              <a:t>2/17/2016</a:t>
             </a:fld>
             <a:endParaRPr lang="en-US"/>
           </a:p>
@@ -2147,7 +2147,7 @@
     </p:spTree>
     <p:extLst>
       <p:ext uri="{BB962C8B-B14F-4D97-AF65-F5344CB8AC3E}">
-        <p14:creationId xmlns:p14="http://schemas.microsoft.com/office/powerpoint/2010/main" val="2147298090"/>
+        <p14:creationId xmlns:p14="http://schemas.microsoft.com/office/powerpoint/2010/main" val="200807293"/>
       </p:ext>
     </p:extLst>
   </p:cSld>
@@ -2186,8 +2186,8 @@
         </p:nvSpPr>
         <p:spPr>
           <a:xfrm>
-            <a:off x="629841" y="457200"/>
-            <a:ext cx="2949178" cy="1600200"/>
+            <a:off x="629841" y="914400"/>
+            <a:ext cx="2949178" cy="3200400"/>
           </a:xfrm>
         </p:spPr>
         <p:txBody>
@@ -2218,8 +2218,8 @@
         </p:nvSpPr>
         <p:spPr>
           <a:xfrm>
-            <a:off x="3887391" y="987426"/>
-            <a:ext cx="4629150" cy="4873625"/>
+            <a:off x="3887391" y="1974853"/>
+            <a:ext cx="4629150" cy="9747250"/>
           </a:xfrm>
         </p:spPr>
         <p:txBody>
@@ -2265,7 +2265,7 @@
           <a:p>
             <a:r>
               <a:rPr lang="en-US" smtClean="0"/>
-              <a:t>Drag picture to placeholder or click icon to add</a:t>
+              <a:t>Click icon to add picture</a:t>
             </a:r>
             <a:endParaRPr lang="en-US" dirty="0"/>
           </a:p>
@@ -2283,8 +2283,8 @@
         </p:nvSpPr>
         <p:spPr>
           <a:xfrm>
-            <a:off x="629841" y="2057400"/>
-            <a:ext cx="2949178" cy="3811588"/>
+            <a:off x="629841" y="4114800"/>
+            <a:ext cx="2949178" cy="7623176"/>
           </a:xfrm>
         </p:spPr>
         <p:txBody>
@@ -2331,7 +2331,7 @@
             <a:pPr lvl="0"/>
             <a:r>
               <a:rPr lang="en-US" smtClean="0"/>
-              <a:t>Click to edit Master text styles</a:t>
+              <a:t>Edit Master text styles</a:t>
             </a:r>
           </a:p>
         </p:txBody>
@@ -2353,7 +2353,7 @@
           <a:p>
             <a:fld id="{00C884BF-53C2-E345-8F8B-60AACF09BB9A}" type="datetimeFigureOut">
               <a:rPr lang="en-US" smtClean="0"/>
-              <a:t>1/8/16</a:t>
+              <a:t>2/17/2016</a:t>
             </a:fld>
             <a:endParaRPr lang="en-US"/>
           </a:p>
@@ -2404,7 +2404,7 @@
     </p:spTree>
     <p:extLst>
       <p:ext uri="{BB962C8B-B14F-4D97-AF65-F5344CB8AC3E}">
-        <p14:creationId xmlns:p14="http://schemas.microsoft.com/office/powerpoint/2010/main" val="1176310795"/>
+        <p14:creationId xmlns:p14="http://schemas.microsoft.com/office/powerpoint/2010/main" val="1801083533"/>
       </p:ext>
     </p:extLst>
   </p:cSld>
@@ -2448,8 +2448,8 @@
         </p:nvSpPr>
         <p:spPr>
           <a:xfrm>
-            <a:off x="628650" y="365126"/>
-            <a:ext cx="7886700" cy="1325563"/>
+            <a:off x="628650" y="730253"/>
+            <a:ext cx="7886700" cy="2651126"/>
           </a:xfrm>
           <a:prstGeom prst="rect">
             <a:avLst/>
@@ -2481,8 +2481,8 @@
         </p:nvSpPr>
         <p:spPr>
           <a:xfrm>
-            <a:off x="628650" y="1825625"/>
-            <a:ext cx="7886700" cy="4351338"/>
+            <a:off x="628650" y="3651250"/>
+            <a:ext cx="7886700" cy="8702676"/>
           </a:xfrm>
           <a:prstGeom prst="rect">
             <a:avLst/>
@@ -2497,7 +2497,7 @@
             <a:pPr lvl="0"/>
             <a:r>
               <a:rPr lang="en-US" smtClean="0"/>
-              <a:t>Click to edit Master text styles</a:t>
+              <a:t>Edit Master text styles</a:t>
             </a:r>
           </a:p>
           <a:p>
@@ -2543,8 +2543,8 @@
         </p:nvSpPr>
         <p:spPr>
           <a:xfrm>
-            <a:off x="628650" y="6356351"/>
-            <a:ext cx="2057400" cy="365125"/>
+            <a:off x="628650" y="12712703"/>
+            <a:ext cx="2057400" cy="730250"/>
           </a:xfrm>
           <a:prstGeom prst="rect">
             <a:avLst/>
@@ -2566,7 +2566,7 @@
           <a:p>
             <a:fld id="{00C884BF-53C2-E345-8F8B-60AACF09BB9A}" type="datetimeFigureOut">
               <a:rPr lang="en-US" smtClean="0"/>
-              <a:t>1/8/16</a:t>
+              <a:t>2/17/2016</a:t>
             </a:fld>
             <a:endParaRPr lang="en-US"/>
           </a:p>
@@ -2584,8 +2584,8 @@
         </p:nvSpPr>
         <p:spPr>
           <a:xfrm>
-            <a:off x="3028950" y="6356351"/>
-            <a:ext cx="3086100" cy="365125"/>
+            <a:off x="3028950" y="12712703"/>
+            <a:ext cx="3086100" cy="730250"/>
           </a:xfrm>
           <a:prstGeom prst="rect">
             <a:avLst/>
@@ -2621,8 +2621,8 @@
         </p:nvSpPr>
         <p:spPr>
           <a:xfrm>
-            <a:off x="6457950" y="6356351"/>
-            <a:ext cx="2057400" cy="365125"/>
+            <a:off x="6457950" y="12712703"/>
+            <a:ext cx="2057400" cy="730250"/>
           </a:xfrm>
           <a:prstGeom prst="rect">
             <a:avLst/>
@@ -2653,23 +2653,23 @@
     </p:spTree>
     <p:extLst>
       <p:ext uri="{BB962C8B-B14F-4D97-AF65-F5344CB8AC3E}">
-        <p14:creationId xmlns:p14="http://schemas.microsoft.com/office/powerpoint/2010/main" val="975122319"/>
+        <p14:creationId xmlns:p14="http://schemas.microsoft.com/office/powerpoint/2010/main" val="4190530599"/>
       </p:ext>
     </p:extLst>
   </p:cSld>
   <p:clrMap bg1="lt1" tx1="dk1" bg2="lt2" tx2="dk2" accent1="accent1" accent2="accent2" accent3="accent3" accent4="accent4" accent5="accent5" accent6="accent6" hlink="hlink" folHlink="folHlink"/>
   <p:sldLayoutIdLst>
-    <p:sldLayoutId id="2147483661" r:id="rId1"/>
-    <p:sldLayoutId id="2147483662" r:id="rId2"/>
-    <p:sldLayoutId id="2147483663" r:id="rId3"/>
-    <p:sldLayoutId id="2147483664" r:id="rId4"/>
-    <p:sldLayoutId id="2147483665" r:id="rId5"/>
-    <p:sldLayoutId id="2147483666" r:id="rId6"/>
-    <p:sldLayoutId id="2147483667" r:id="rId7"/>
-    <p:sldLayoutId id="2147483668" r:id="rId8"/>
-    <p:sldLayoutId id="2147483669" r:id="rId9"/>
-    <p:sldLayoutId id="2147483670" r:id="rId10"/>
-    <p:sldLayoutId id="2147483671" r:id="rId11"/>
+    <p:sldLayoutId id="2147483685" r:id="rId1"/>
+    <p:sldLayoutId id="2147483686" r:id="rId2"/>
+    <p:sldLayoutId id="2147483687" r:id="rId3"/>
+    <p:sldLayoutId id="2147483688" r:id="rId4"/>
+    <p:sldLayoutId id="2147483689" r:id="rId5"/>
+    <p:sldLayoutId id="2147483690" r:id="rId6"/>
+    <p:sldLayoutId id="2147483691" r:id="rId7"/>
+    <p:sldLayoutId id="2147483692" r:id="rId8"/>
+    <p:sldLayoutId id="2147483693" r:id="rId9"/>
+    <p:sldLayoutId id="2147483694" r:id="rId10"/>
+    <p:sldLayoutId id="2147483695" r:id="rId11"/>
   </p:sldLayoutIdLst>
   <p:txStyles>
     <p:titleStyle>
@@ -2971,415 +2971,183 @@
           <a:chExt cx="0" cy="0"/>
         </a:xfrm>
       </p:grpSpPr>
-      <p:sp>
-        <p:nvSpPr>
-          <p:cNvPr id="45" name="Rounded Rectangle 44"/>
-          <p:cNvSpPr/>
+      <p:grpSp>
+        <p:nvGrpSpPr>
+          <p:cNvPr id="193" name="Group 192"/>
+          <p:cNvGrpSpPr/>
           <p:nvPr/>
-        </p:nvSpPr>
-        <p:spPr>
+        </p:nvGrpSpPr>
+        <p:grpSpPr>
           <a:xfrm>
-            <a:off x="0" y="0"/>
-            <a:ext cx="9144000" cy="6858000"/>
+            <a:off x="1043419" y="199042"/>
+            <a:ext cx="6957061" cy="3337559"/>
+            <a:chOff x="1082039" y="3520440"/>
+            <a:chExt cx="6957061" cy="3337559"/>
           </a:xfrm>
-          <a:prstGeom prst="roundRect">
-            <a:avLst>
-              <a:gd name="adj" fmla="val 14534"/>
-            </a:avLst>
-          </a:prstGeom>
-        </p:spPr>
-        <p:style>
-          <a:lnRef idx="1">
-            <a:schemeClr val="accent4"/>
-          </a:lnRef>
-          <a:fillRef idx="2">
-            <a:schemeClr val="accent4"/>
-          </a:fillRef>
-          <a:effectRef idx="1">
-            <a:schemeClr val="accent4"/>
-          </a:effectRef>
-          <a:fontRef idx="minor">
-            <a:schemeClr val="dk1"/>
-          </a:fontRef>
-        </p:style>
-        <p:txBody>
-          <a:bodyPr rtlCol="0" anchor="ctr"/>
-          <a:lstStyle/>
-          <a:p>
-            <a:pPr algn="ctr"/>
-            <a:endParaRPr lang="en-US" dirty="0"/>
-          </a:p>
-        </p:txBody>
-      </p:sp>
-      <p:sp>
-        <p:nvSpPr>
-          <p:cNvPr id="37" name="Oval 36"/>
-          <p:cNvSpPr/>
-          <p:nvPr/>
-        </p:nvSpPr>
-        <p:spPr>
-          <a:xfrm>
-            <a:off x="921745" y="2205438"/>
-            <a:ext cx="6750744" cy="8420414"/>
-          </a:xfrm>
-          <a:prstGeom prst="ellipse">
-            <a:avLst/>
-          </a:prstGeom>
-        </p:spPr>
-        <p:style>
-          <a:lnRef idx="2">
-            <a:schemeClr val="accent3">
-              <a:shade val="50000"/>
-            </a:schemeClr>
-          </a:lnRef>
-          <a:fillRef idx="1">
-            <a:schemeClr val="accent3"/>
-          </a:fillRef>
-          <a:effectRef idx="0">
-            <a:schemeClr val="accent3"/>
-          </a:effectRef>
-          <a:fontRef idx="minor">
-            <a:schemeClr val="lt1"/>
-          </a:fontRef>
-        </p:style>
-        <p:txBody>
-          <a:bodyPr rtlCol="0" anchor="ctr"/>
-          <a:lstStyle/>
-          <a:p>
-            <a:pPr algn="ctr"/>
-            <a:endParaRPr lang="en-US" dirty="0"/>
-          </a:p>
-        </p:txBody>
-      </p:sp>
-      <p:cxnSp>
-        <p:nvCxnSpPr>
-          <p:cNvPr id="5" name="Straight Connector 4"/>
-          <p:cNvCxnSpPr>
-            <a:stCxn id="8" idx="1"/>
-            <a:endCxn id="10" idx="3"/>
-          </p:cNvCxnSpPr>
-          <p:nvPr/>
-        </p:nvCxnSpPr>
-        <p:spPr>
-          <a:xfrm flipV="1">
-            <a:off x="824759" y="2175307"/>
-            <a:ext cx="963366" cy="3240264"/>
-          </a:xfrm>
-          <a:prstGeom prst="line">
-            <a:avLst/>
-          </a:prstGeom>
-          <a:ln w="38100">
-            <a:solidFill>
+        </p:grpSpPr>
+        <p:sp>
+          <p:nvSpPr>
+            <p:cNvPr id="194" name="Flowchart: Display 193"/>
+            <p:cNvSpPr/>
+            <p:nvPr/>
+          </p:nvSpPr>
+          <p:spPr>
+            <a:xfrm>
+              <a:off x="2421244" y="4639772"/>
+              <a:ext cx="3592424" cy="2203834"/>
+            </a:xfrm>
+            <a:prstGeom prst="flowChartDisplay">
+              <a:avLst/>
+            </a:prstGeom>
+          </p:spPr>
+          <p:style>
+            <a:lnRef idx="2">
+              <a:schemeClr val="accent1">
+                <a:shade val="50000"/>
+              </a:schemeClr>
+            </a:lnRef>
+            <a:fillRef idx="1">
               <a:schemeClr val="accent1"/>
-            </a:solidFill>
-          </a:ln>
-        </p:spPr>
-        <p:style>
-          <a:lnRef idx="1">
-            <a:schemeClr val="accent1"/>
-          </a:lnRef>
-          <a:fillRef idx="0">
-            <a:schemeClr val="accent1"/>
-          </a:fillRef>
-          <a:effectRef idx="0">
-            <a:schemeClr val="accent1"/>
-          </a:effectRef>
-          <a:fontRef idx="minor">
-            <a:schemeClr val="tx1"/>
-          </a:fontRef>
-        </p:style>
-      </p:cxnSp>
-      <p:sp>
-        <p:nvSpPr>
-          <p:cNvPr id="8" name="Oval 7"/>
-          <p:cNvSpPr/>
-          <p:nvPr/>
-        </p:nvSpPr>
-        <p:spPr>
-          <a:xfrm>
-            <a:off x="804672" y="5395484"/>
-            <a:ext cx="137160" cy="137160"/>
-          </a:xfrm>
-          <a:prstGeom prst="ellipse">
-            <a:avLst/>
-          </a:prstGeom>
-        </p:spPr>
-        <p:style>
-          <a:lnRef idx="2">
-            <a:schemeClr val="accent2">
-              <a:shade val="50000"/>
-            </a:schemeClr>
-          </a:lnRef>
-          <a:fillRef idx="1">
-            <a:schemeClr val="accent2"/>
-          </a:fillRef>
-          <a:effectRef idx="0">
-            <a:schemeClr val="accent2"/>
-          </a:effectRef>
-          <a:fontRef idx="minor">
-            <a:schemeClr val="lt1"/>
-          </a:fontRef>
-        </p:style>
-        <p:txBody>
-          <a:bodyPr rtlCol="0" anchor="ctr"/>
-          <a:lstStyle/>
-          <a:p>
-            <a:pPr algn="ctr"/>
-            <a:endParaRPr lang="en-US"/>
-          </a:p>
-        </p:txBody>
-      </p:sp>
-      <p:sp>
-        <p:nvSpPr>
-          <p:cNvPr id="10" name="Oval 9"/>
-          <p:cNvSpPr/>
-          <p:nvPr/>
-        </p:nvSpPr>
-        <p:spPr>
-          <a:xfrm>
-            <a:off x="1768038" y="2058234"/>
-            <a:ext cx="137160" cy="137160"/>
-          </a:xfrm>
-          <a:prstGeom prst="ellipse">
-            <a:avLst/>
-          </a:prstGeom>
-        </p:spPr>
-        <p:style>
-          <a:lnRef idx="2">
-            <a:schemeClr val="accent2">
-              <a:shade val="50000"/>
-            </a:schemeClr>
-          </a:lnRef>
-          <a:fillRef idx="1">
-            <a:schemeClr val="accent2"/>
-          </a:fillRef>
-          <a:effectRef idx="0">
-            <a:schemeClr val="accent2"/>
-          </a:effectRef>
-          <a:fontRef idx="minor">
-            <a:schemeClr val="lt1"/>
-          </a:fontRef>
-        </p:style>
-        <p:txBody>
-          <a:bodyPr rtlCol="0" anchor="ctr"/>
-          <a:lstStyle/>
-          <a:p>
-            <a:pPr algn="ctr"/>
-            <a:endParaRPr lang="en-US"/>
-          </a:p>
-        </p:txBody>
-      </p:sp>
-      <mc:AlternateContent xmlns:mc="http://schemas.openxmlformats.org/markup-compatibility/2006">
-        <mc:Choice xmlns:a14="http://schemas.microsoft.com/office/drawing/2010/main" Requires="a14">
-          <p:sp>
-            <p:nvSpPr>
-              <p:cNvPr id="12" name="TextBox 11"/>
-              <p:cNvSpPr txBox="1"/>
-              <p:nvPr/>
-            </p:nvSpPr>
-            <p:spPr>
-              <a:xfrm>
-                <a:off x="726943" y="1669130"/>
-                <a:ext cx="1760610" cy="369332"/>
-              </a:xfrm>
-              <a:prstGeom prst="rect">
-                <a:avLst/>
-              </a:prstGeom>
-              <a:noFill/>
-            </p:spPr>
-            <p:txBody>
-              <a:bodyPr wrap="none" rtlCol="0">
-                <a:spAutoFit/>
-              </a:bodyPr>
-              <a:lstStyle/>
-              <a:p>
-                <a:pPr/>
-                <a14:m>
-                  <m:oMathPara xmlns:m="http://schemas.openxmlformats.org/officeDocument/2006/math">
-                    <m:oMathParaPr>
-                      <m:jc m:val="centerGroup"/>
-                    </m:oMathParaPr>
+            </a:fillRef>
+            <a:effectRef idx="0">
+              <a:schemeClr val="accent1"/>
+            </a:effectRef>
+            <a:fontRef idx="minor">
+              <a:schemeClr val="lt1"/>
+            </a:fontRef>
+          </p:style>
+          <p:txBody>
+            <a:bodyPr rtlCol="0" anchor="ctr"/>
+            <a:lstStyle/>
+            <a:p>
+              <a:pPr algn="ctr"/>
+              <a:endParaRPr lang="en-US"/>
+            </a:p>
+          </p:txBody>
+        </p:sp>
+        <p:sp>
+          <p:nvSpPr>
+            <p:cNvPr id="195" name="Rounded Rectangle 194"/>
+            <p:cNvSpPr/>
+            <p:nvPr/>
+          </p:nvSpPr>
+          <p:spPr>
+            <a:xfrm>
+              <a:off x="1082039" y="3520440"/>
+              <a:ext cx="6957061" cy="3337559"/>
+            </a:xfrm>
+            <a:prstGeom prst="roundRect">
+              <a:avLst>
+                <a:gd name="adj" fmla="val 14534"/>
+              </a:avLst>
+            </a:prstGeom>
+            <a:noFill/>
+            <a:ln w="38100"/>
+          </p:spPr>
+          <p:style>
+            <a:lnRef idx="2">
+              <a:schemeClr val="dk1"/>
+            </a:lnRef>
+            <a:fillRef idx="1">
+              <a:schemeClr val="lt1"/>
+            </a:fillRef>
+            <a:effectRef idx="0">
+              <a:schemeClr val="dk1"/>
+            </a:effectRef>
+            <a:fontRef idx="minor">
+              <a:schemeClr val="dk1"/>
+            </a:fontRef>
+          </p:style>
+          <p:txBody>
+            <a:bodyPr rtlCol="0" anchor="ctr"/>
+            <a:lstStyle/>
+            <a:p>
+              <a:pPr algn="ctr"/>
+              <a:endParaRPr lang="en-US" dirty="0"/>
+            </a:p>
+          </p:txBody>
+        </p:sp>
+        <p:sp>
+          <p:nvSpPr>
+            <p:cNvPr id="196" name="Oval 195"/>
+            <p:cNvSpPr/>
+            <p:nvPr/>
+          </p:nvSpPr>
+          <p:spPr>
+            <a:xfrm>
+              <a:off x="2322479" y="6556621"/>
+              <a:ext cx="137160" cy="137160"/>
+            </a:xfrm>
+            <a:prstGeom prst="ellipse">
+              <a:avLst/>
+            </a:prstGeom>
+          </p:spPr>
+          <p:style>
+            <a:lnRef idx="2">
+              <a:schemeClr val="accent2">
+                <a:shade val="50000"/>
+              </a:schemeClr>
+            </a:lnRef>
+            <a:fillRef idx="1">
+              <a:schemeClr val="accent2"/>
+            </a:fillRef>
+            <a:effectRef idx="0">
+              <a:schemeClr val="accent2"/>
+            </a:effectRef>
+            <a:fontRef idx="minor">
+              <a:schemeClr val="lt1"/>
+            </a:fontRef>
+          </p:style>
+          <p:txBody>
+            <a:bodyPr rtlCol="0" anchor="ctr"/>
+            <a:lstStyle/>
+            <a:p>
+              <a:pPr algn="ctr"/>
+              <a:endParaRPr lang="en-US"/>
+            </a:p>
+          </p:txBody>
+        </p:sp>
+        <mc:AlternateContent xmlns:mc="http://schemas.openxmlformats.org/markup-compatibility/2006" xmlns:a14="http://schemas.microsoft.com/office/drawing/2010/main">
+          <mc:Choice Requires="a14">
+            <p:sp>
+              <p:nvSpPr>
+                <p:cNvPr id="197" name="TextBox 196"/>
+                <p:cNvSpPr txBox="1"/>
+                <p:nvPr/>
+              </p:nvSpPr>
+              <p:spPr>
+                <a:xfrm>
+                  <a:off x="1355158" y="6370110"/>
+                  <a:ext cx="1050993" cy="369332"/>
+                </a:xfrm>
+                <a:prstGeom prst="rect">
+                  <a:avLst/>
+                </a:prstGeom>
+                <a:noFill/>
+              </p:spPr>
+              <p:txBody>
+                <a:bodyPr wrap="none" rtlCol="0">
+                  <a:spAutoFit/>
+                </a:bodyPr>
+                <a:lstStyle/>
+                <a:p>
+                  <a:r>
+                    <a:rPr lang="en-US" dirty="0" smtClean="0"/>
+                    <a:t>Origin</a:t>
+                  </a:r>
+                  <a14:m>
                     <m:oMath xmlns:m="http://schemas.openxmlformats.org/officeDocument/2006/math">
-                      <m:sSub>
-                        <m:sSubPr>
-                          <m:ctrlPr>
-                            <a:rPr lang="en-US" b="0" i="1" smtClean="0">
-                              <a:latin typeface="Cambria Math" charset="0"/>
-                            </a:rPr>
-                          </m:ctrlPr>
-                        </m:sSubPr>
-                        <m:e>
-                          <m:r>
-                            <a:rPr lang="en-US" b="0" i="1" smtClean="0">
-                              <a:latin typeface="Cambria Math" charset="0"/>
-                            </a:rPr>
-                            <m:t>ℍ</m:t>
-                          </m:r>
-                        </m:e>
-                        <m:sub>
-                          <m:r>
-                            <a:rPr lang="en-US" b="0" i="1" smtClean="0">
-                              <a:latin typeface="Cambria Math" charset="0"/>
-                            </a:rPr>
-                            <m:t>1</m:t>
-                          </m:r>
-                        </m:sub>
-                      </m:sSub>
-                      <m:d>
-                        <m:dPr>
-                          <m:ctrlPr>
-                            <a:rPr lang="en-US" b="0" i="1" smtClean="0">
-                              <a:latin typeface="Cambria Math" charset="0"/>
-                            </a:rPr>
-                          </m:ctrlPr>
-                        </m:dPr>
-                        <m:e>
-                          <m:r>
-                            <a:rPr lang="en-US" b="0" i="1" smtClean="0">
-                              <a:latin typeface="Cambria Math" charset="0"/>
-                            </a:rPr>
-                            <m:t>1</m:t>
-                          </m:r>
-                        </m:e>
-                      </m:d>
                       <m:r>
-                        <a:rPr lang="en-US" b="0" i="1" smtClean="0">
-                          <a:latin typeface="Cambria Math" charset="0"/>
+                        <a:rPr lang="en-US" b="0" i="0" smtClean="0">
+                          <a:latin typeface="Cambria Math" panose="02040503050406030204" pitchFamily="18" charset="0"/>
                         </a:rPr>
-                        <m:t>=</m:t>
+                        <m:t> </m:t>
                       </m:r>
-                      <m:sSub>
-                        <m:sSubPr>
-                          <m:ctrlPr>
-                            <a:rPr lang="en-US" b="0" i="1" smtClean="0">
-                              <a:latin typeface="Cambria Math" charset="0"/>
-                            </a:rPr>
-                          </m:ctrlPr>
-                        </m:sSubPr>
-                        <m:e>
-                          <m:r>
-                            <a:rPr lang="en-US" b="0" i="1" smtClean="0">
-                              <a:latin typeface="Cambria Math" charset="0"/>
-                            </a:rPr>
-                            <m:t>ℍ</m:t>
-                          </m:r>
-                        </m:e>
-                        <m:sub>
-                          <m:r>
-                            <a:rPr lang="en-US" b="0" i="1" smtClean="0">
-                              <a:latin typeface="Cambria Math" charset="0"/>
-                            </a:rPr>
-                            <m:t>2</m:t>
-                          </m:r>
-                        </m:sub>
-                      </m:sSub>
-                      <m:d>
-                        <m:dPr>
-                          <m:ctrlPr>
-                            <a:rPr lang="en-US" b="0" i="1" smtClean="0">
-                              <a:latin typeface="Cambria Math" charset="0"/>
-                            </a:rPr>
-                          </m:ctrlPr>
-                        </m:dPr>
-                        <m:e>
-                          <m:r>
-                            <a:rPr lang="en-US" b="0" i="1" smtClean="0">
-                              <a:latin typeface="Cambria Math" charset="0"/>
-                            </a:rPr>
-                            <m:t>0</m:t>
-                          </m:r>
-                        </m:e>
-                      </m:d>
-                    </m:oMath>
-                  </m:oMathPara>
-                </a14:m>
-                <a:endParaRPr lang="en-US" dirty="0"/>
-              </a:p>
-            </p:txBody>
-          </p:sp>
-        </mc:Choice>
-        <mc:Fallback>
-          <p:sp>
-            <p:nvSpPr>
-              <p:cNvPr id="12" name="TextBox 11"/>
-              <p:cNvSpPr txBox="1">
-                <a:spLocks noRot="1" noChangeAspect="1" noMove="1" noResize="1" noEditPoints="1" noAdjustHandles="1" noChangeArrowheads="1" noChangeShapeType="1" noTextEdit="1"/>
-              </p:cNvSpPr>
-              <p:nvPr/>
-            </p:nvSpPr>
-            <p:spPr>
-              <a:xfrm>
-                <a:off x="726943" y="1669130"/>
-                <a:ext cx="1760610" cy="369332"/>
-              </a:xfrm>
-              <a:prstGeom prst="rect">
-                <a:avLst/>
-              </a:prstGeom>
-              <a:blipFill rotWithShape="0">
-                <a:blip r:embed="rId2"/>
-                <a:stretch>
-                  <a:fillRect/>
-                </a:stretch>
-              </a:blipFill>
-            </p:spPr>
-            <p:txBody>
-              <a:bodyPr/>
-              <a:lstStyle/>
-              <a:p>
-                <a:r>
-                  <a:rPr lang="en-US">
-                    <a:noFill/>
-                  </a:rPr>
-                  <a:t> </a:t>
-                </a:r>
-              </a:p>
-            </p:txBody>
-          </p:sp>
-        </mc:Fallback>
-      </mc:AlternateContent>
-      <mc:AlternateContent xmlns:mc="http://schemas.openxmlformats.org/markup-compatibility/2006">
-        <mc:Choice xmlns:a14="http://schemas.microsoft.com/office/drawing/2010/main" Requires="a14">
-          <p:sp>
-            <p:nvSpPr>
-              <p:cNvPr id="13" name="TextBox 12"/>
-              <p:cNvSpPr txBox="1"/>
-              <p:nvPr/>
-            </p:nvSpPr>
-            <p:spPr>
-              <a:xfrm>
-                <a:off x="258272" y="5532644"/>
-                <a:ext cx="1441870" cy="646331"/>
-              </a:xfrm>
-              <a:prstGeom prst="rect">
-                <a:avLst/>
-              </a:prstGeom>
-              <a:noFill/>
-            </p:spPr>
-            <p:txBody>
-              <a:bodyPr wrap="none" rtlCol="0">
-                <a:spAutoFit/>
-              </a:bodyPr>
-              <a:lstStyle/>
-              <a:p>
-                <a:r>
-                  <a:rPr lang="en-US" dirty="0" smtClean="0"/>
-                  <a:t>Origin</a:t>
-                </a:r>
-                <a:endParaRPr lang="en-US" b="0" dirty="0" smtClean="0"/>
-              </a:p>
-              <a:p>
-                <a:pPr/>
-                <a14:m>
-                  <m:oMathPara xmlns:m="http://schemas.openxmlformats.org/officeDocument/2006/math">
-                    <m:oMathParaPr>
-                      <m:jc m:val="centerGroup"/>
-                    </m:oMathParaPr>
-                    <m:oMath xmlns:m="http://schemas.openxmlformats.org/officeDocument/2006/math">
                       <m:sSup>
                         <m:sSupPr>
                           <m:ctrlPr>
                             <a:rPr lang="en-US" b="0" i="1" smtClean="0">
-                              <a:latin typeface="Cambria Math" charset="0"/>
+                              <a:latin typeface="Cambria Math" panose="02040503050406030204" pitchFamily="18" charset="0"/>
                             </a:rPr>
                           </m:ctrlPr>
                         </m:sSupPr>
@@ -3400,663 +3168,133 @@
                           </m:r>
                         </m:sup>
                       </m:sSup>
+                    </m:oMath>
+                  </a14:m>
+                  <a:endParaRPr lang="en-US" dirty="0"/>
+                </a:p>
+              </p:txBody>
+            </p:sp>
+          </mc:Choice>
+          <mc:Fallback xmlns="">
+            <p:sp>
+              <p:nvSpPr>
+                <p:cNvPr id="197" name="TextBox 196"/>
+                <p:cNvSpPr txBox="1">
+                  <a:spLocks noRot="1" noChangeAspect="1" noMove="1" noResize="1" noEditPoints="1" noAdjustHandles="1" noChangeArrowheads="1" noChangeShapeType="1" noTextEdit="1"/>
+                </p:cNvSpPr>
+                <p:nvPr/>
+              </p:nvSpPr>
+              <p:spPr>
+                <a:xfrm>
+                  <a:off x="1355158" y="6370110"/>
+                  <a:ext cx="1050993" cy="369332"/>
+                </a:xfrm>
+                <a:prstGeom prst="rect">
+                  <a:avLst/>
+                </a:prstGeom>
+                <a:blipFill>
+                  <a:blip r:embed="rId2"/>
+                  <a:stretch>
+                    <a:fillRect l="-5233" t="-8197" b="-24590"/>
+                  </a:stretch>
+                </a:blipFill>
+              </p:spPr>
+              <p:txBody>
+                <a:bodyPr/>
+                <a:lstStyle/>
+                <a:p>
+                  <a:r>
+                    <a:rPr lang="en-US">
+                      <a:noFill/>
+                    </a:rPr>
+                    <a:t> </a:t>
+                  </a:r>
+                </a:p>
+              </p:txBody>
+            </p:sp>
+          </mc:Fallback>
+        </mc:AlternateContent>
+        <p:sp>
+          <p:nvSpPr>
+            <p:cNvPr id="198" name="Oval 197"/>
+            <p:cNvSpPr/>
+            <p:nvPr/>
+          </p:nvSpPr>
+          <p:spPr>
+            <a:xfrm>
+              <a:off x="6272989" y="6508399"/>
+              <a:ext cx="137160" cy="137160"/>
+            </a:xfrm>
+            <a:prstGeom prst="ellipse">
+              <a:avLst/>
+            </a:prstGeom>
+          </p:spPr>
+          <p:style>
+            <a:lnRef idx="2">
+              <a:schemeClr val="accent6">
+                <a:shade val="50000"/>
+              </a:schemeClr>
+            </a:lnRef>
+            <a:fillRef idx="1">
+              <a:schemeClr val="accent6"/>
+            </a:fillRef>
+            <a:effectRef idx="0">
+              <a:schemeClr val="accent6"/>
+            </a:effectRef>
+            <a:fontRef idx="minor">
+              <a:schemeClr val="lt1"/>
+            </a:fontRef>
+          </p:style>
+          <p:txBody>
+            <a:bodyPr rtlCol="0" anchor="ctr"/>
+            <a:lstStyle/>
+            <a:p>
+              <a:pPr algn="ctr"/>
+              <a:endParaRPr lang="en-US"/>
+            </a:p>
+          </p:txBody>
+        </p:sp>
+        <mc:AlternateContent xmlns:mc="http://schemas.openxmlformats.org/markup-compatibility/2006" xmlns:a14="http://schemas.microsoft.com/office/drawing/2010/main">
+          <mc:Choice Requires="a14">
+            <p:sp>
+              <p:nvSpPr>
+                <p:cNvPr id="199" name="TextBox 198"/>
+                <p:cNvSpPr txBox="1"/>
+                <p:nvPr/>
+              </p:nvSpPr>
+              <p:spPr>
+                <a:xfrm>
+                  <a:off x="6364761" y="6417979"/>
+                  <a:ext cx="1570495" cy="374270"/>
+                </a:xfrm>
+                <a:prstGeom prst="rect">
+                  <a:avLst/>
+                </a:prstGeom>
+                <a:noFill/>
+              </p:spPr>
+              <p:txBody>
+                <a:bodyPr wrap="none" rtlCol="0">
+                  <a:spAutoFit/>
+                </a:bodyPr>
+                <a:lstStyle/>
+                <a:p>
+                  <a:r>
+                    <a:rPr lang="en-US" b="0" dirty="0" smtClean="0"/>
+                    <a:t>Destination</a:t>
+                  </a:r>
+                  <a14:m>
+                    <m:oMath xmlns:m="http://schemas.openxmlformats.org/officeDocument/2006/math">
                       <m:r>
-                        <a:rPr lang="en-US" b="0" i="1" smtClean="0">
-                          <a:latin typeface="Cambria Math" charset="0"/>
+                        <a:rPr lang="en-US" b="0" i="0" smtClean="0">
+                          <a:latin typeface="Cambria Math" panose="02040503050406030204" pitchFamily="18" charset="0"/>
                         </a:rPr>
-                        <m:t>=</m:t>
+                        <m:t> </m:t>
                       </m:r>
-                      <m:sSub>
-                        <m:sSubPr>
-                          <m:ctrlPr>
-                            <a:rPr lang="en-US" b="0" i="1" smtClean="0">
-                              <a:latin typeface="Cambria Math" charset="0"/>
-                            </a:rPr>
-                          </m:ctrlPr>
-                        </m:sSubPr>
-                        <m:e>
-                          <m:r>
-                            <a:rPr lang="en-US" b="0" i="1" smtClean="0">
-                              <a:latin typeface="Cambria Math" charset="0"/>
-                            </a:rPr>
-                            <m:t>ℍ</m:t>
-                          </m:r>
-                        </m:e>
-                        <m:sub>
-                          <m:r>
-                            <a:rPr lang="en-US" b="0" i="1" smtClean="0">
-                              <a:latin typeface="Cambria Math" charset="0"/>
-                            </a:rPr>
-                            <m:t>1</m:t>
-                          </m:r>
-                        </m:sub>
-                      </m:sSub>
-                      <m:d>
-                        <m:dPr>
-                          <m:ctrlPr>
-                            <a:rPr lang="en-US" b="0" i="1" smtClean="0">
-                              <a:latin typeface="Cambria Math" charset="0"/>
-                            </a:rPr>
-                          </m:ctrlPr>
-                        </m:dPr>
-                        <m:e>
-                          <m:r>
-                            <a:rPr lang="en-US" b="0" i="1" smtClean="0">
-                              <a:latin typeface="Cambria Math" charset="0"/>
-                            </a:rPr>
-                            <m:t>0</m:t>
-                          </m:r>
-                        </m:e>
-                      </m:d>
-                    </m:oMath>
-                  </m:oMathPara>
-                </a14:m>
-                <a:endParaRPr lang="en-US" dirty="0"/>
-              </a:p>
-            </p:txBody>
-          </p:sp>
-        </mc:Choice>
-        <mc:Fallback>
-          <p:sp>
-            <p:nvSpPr>
-              <p:cNvPr id="13" name="TextBox 12"/>
-              <p:cNvSpPr txBox="1">
-                <a:spLocks noRot="1" noChangeAspect="1" noMove="1" noResize="1" noEditPoints="1" noAdjustHandles="1" noChangeArrowheads="1" noChangeShapeType="1" noTextEdit="1"/>
-              </p:cNvSpPr>
-              <p:nvPr/>
-            </p:nvSpPr>
-            <p:spPr>
-              <a:xfrm>
-                <a:off x="258272" y="5532644"/>
-                <a:ext cx="1441870" cy="646331"/>
-              </a:xfrm>
-              <a:prstGeom prst="rect">
-                <a:avLst/>
-              </a:prstGeom>
-              <a:blipFill rotWithShape="0">
-                <a:blip r:embed="rId3"/>
-                <a:stretch>
-                  <a:fillRect l="-3376" t="-5660" b="-2830"/>
-                </a:stretch>
-              </a:blipFill>
-            </p:spPr>
-            <p:txBody>
-              <a:bodyPr/>
-              <a:lstStyle/>
-              <a:p>
-                <a:r>
-                  <a:rPr lang="en-US">
-                    <a:noFill/>
-                  </a:rPr>
-                  <a:t> </a:t>
-                </a:r>
-              </a:p>
-            </p:txBody>
-          </p:sp>
-        </mc:Fallback>
-      </mc:AlternateContent>
-      <p:sp>
-        <p:nvSpPr>
-          <p:cNvPr id="17" name="Oval 16"/>
-          <p:cNvSpPr/>
-          <p:nvPr/>
-        </p:nvSpPr>
-        <p:spPr>
-          <a:xfrm>
-            <a:off x="1470088" y="2931983"/>
-            <a:ext cx="137160" cy="137160"/>
-          </a:xfrm>
-          <a:prstGeom prst="ellipse">
-            <a:avLst/>
-          </a:prstGeom>
-        </p:spPr>
-        <p:style>
-          <a:lnRef idx="2">
-            <a:schemeClr val="accent1">
-              <a:shade val="50000"/>
-            </a:schemeClr>
-          </a:lnRef>
-          <a:fillRef idx="1">
-            <a:schemeClr val="accent1"/>
-          </a:fillRef>
-          <a:effectRef idx="0">
-            <a:schemeClr val="accent1"/>
-          </a:effectRef>
-          <a:fontRef idx="minor">
-            <a:schemeClr val="lt1"/>
-          </a:fontRef>
-        </p:style>
-        <p:txBody>
-          <a:bodyPr rtlCol="0" anchor="ctr"/>
-          <a:lstStyle/>
-          <a:p>
-            <a:pPr algn="ctr"/>
-            <a:endParaRPr lang="en-US"/>
-          </a:p>
-        </p:txBody>
-      </p:sp>
-      <mc:AlternateContent xmlns:mc="http://schemas.openxmlformats.org/markup-compatibility/2006">
-        <mc:Choice xmlns:a14="http://schemas.microsoft.com/office/drawing/2010/main" Requires="a14">
-          <p:sp>
-            <p:nvSpPr>
-              <p:cNvPr id="18" name="TextBox 17"/>
-              <p:cNvSpPr txBox="1"/>
-              <p:nvPr/>
-            </p:nvSpPr>
-            <p:spPr>
-              <a:xfrm>
-                <a:off x="702306" y="2747317"/>
-                <a:ext cx="829266" cy="369332"/>
-              </a:xfrm>
-              <a:prstGeom prst="rect">
-                <a:avLst/>
-              </a:prstGeom>
-              <a:noFill/>
-            </p:spPr>
-            <p:txBody>
-              <a:bodyPr wrap="none" rtlCol="0">
-                <a:spAutoFit/>
-              </a:bodyPr>
-              <a:lstStyle/>
-              <a:p>
-                <a:pPr/>
-                <a14:m>
-                  <m:oMathPara xmlns:m="http://schemas.openxmlformats.org/officeDocument/2006/math">
-                    <m:oMathParaPr>
-                      <m:jc m:val="centerGroup"/>
-                    </m:oMathParaPr>
-                    <m:oMath xmlns:m="http://schemas.openxmlformats.org/officeDocument/2006/math">
-                      <m:sSub>
-                        <m:sSubPr>
-                          <m:ctrlPr>
-                            <a:rPr lang="en-US" b="0" i="1" smtClean="0">
-                              <a:latin typeface="Cambria Math" charset="0"/>
-                            </a:rPr>
-                          </m:ctrlPr>
-                        </m:sSubPr>
-                        <m:e>
-                          <m:r>
-                            <a:rPr lang="en-US" b="0" i="1" smtClean="0">
-                              <a:latin typeface="Cambria Math" charset="0"/>
-                            </a:rPr>
-                            <m:t>ℍ</m:t>
-                          </m:r>
-                        </m:e>
-                        <m:sub>
-                          <m:r>
-                            <a:rPr lang="en-US" b="0" i="1" smtClean="0">
-                              <a:latin typeface="Cambria Math" charset="0"/>
-                            </a:rPr>
-                            <m:t>1</m:t>
-                          </m:r>
-                        </m:sub>
-                      </m:sSub>
-                      <m:d>
-                        <m:dPr>
-                          <m:ctrlPr>
-                            <a:rPr lang="en-US" b="0" i="1" smtClean="0">
-                              <a:latin typeface="Cambria Math" charset="0"/>
-                            </a:rPr>
-                          </m:ctrlPr>
-                        </m:dPr>
-                        <m:e>
-                          <m:r>
-                            <a:rPr lang="en-US" b="0" i="1" smtClean="0">
-                              <a:latin typeface="Cambria Math" charset="0"/>
-                            </a:rPr>
-                            <m:t>𝑠</m:t>
-                          </m:r>
-                        </m:e>
-                      </m:d>
-                    </m:oMath>
-                  </m:oMathPara>
-                </a14:m>
-                <a:endParaRPr lang="en-US" dirty="0"/>
-              </a:p>
-            </p:txBody>
-          </p:sp>
-        </mc:Choice>
-        <mc:Fallback>
-          <p:sp>
-            <p:nvSpPr>
-              <p:cNvPr id="18" name="TextBox 17"/>
-              <p:cNvSpPr txBox="1">
-                <a:spLocks noRot="1" noChangeAspect="1" noMove="1" noResize="1" noEditPoints="1" noAdjustHandles="1" noChangeArrowheads="1" noChangeShapeType="1" noTextEdit="1"/>
-              </p:cNvSpPr>
-              <p:nvPr/>
-            </p:nvSpPr>
-            <p:spPr>
-              <a:xfrm>
-                <a:off x="702306" y="2747317"/>
-                <a:ext cx="829266" cy="369332"/>
-              </a:xfrm>
-              <a:prstGeom prst="rect">
-                <a:avLst/>
-              </a:prstGeom>
-              <a:blipFill rotWithShape="0">
-                <a:blip r:embed="rId4"/>
-                <a:stretch>
-                  <a:fillRect/>
-                </a:stretch>
-              </a:blipFill>
-            </p:spPr>
-            <p:txBody>
-              <a:bodyPr/>
-              <a:lstStyle/>
-              <a:p>
-                <a:r>
-                  <a:rPr lang="en-US">
-                    <a:noFill/>
-                  </a:rPr>
-                  <a:t> </a:t>
-                </a:r>
-              </a:p>
-            </p:txBody>
-          </p:sp>
-        </mc:Fallback>
-      </mc:AlternateContent>
-      <p:cxnSp>
-        <p:nvCxnSpPr>
-          <p:cNvPr id="21" name="Straight Connector 20"/>
-          <p:cNvCxnSpPr>
-            <a:stCxn id="28" idx="2"/>
-            <a:endCxn id="10" idx="6"/>
-          </p:cNvCxnSpPr>
-          <p:nvPr/>
-        </p:nvCxnSpPr>
-        <p:spPr>
-          <a:xfrm flipH="1" flipV="1">
-            <a:off x="1905198" y="2126814"/>
-            <a:ext cx="4763990" cy="5786"/>
-          </a:xfrm>
-          <a:prstGeom prst="line">
-            <a:avLst/>
-          </a:prstGeom>
-          <a:ln w="38100">
-            <a:solidFill>
-              <a:schemeClr val="accent1"/>
-            </a:solidFill>
-          </a:ln>
-        </p:spPr>
-        <p:style>
-          <a:lnRef idx="1">
-            <a:schemeClr val="accent1"/>
-          </a:lnRef>
-          <a:fillRef idx="0">
-            <a:schemeClr val="accent1"/>
-          </a:fillRef>
-          <a:effectRef idx="0">
-            <a:schemeClr val="accent1"/>
-          </a:effectRef>
-          <a:fontRef idx="minor">
-            <a:schemeClr val="tx1"/>
-          </a:fontRef>
-        </p:style>
-      </p:cxnSp>
-      <mc:AlternateContent xmlns:mc="http://schemas.openxmlformats.org/markup-compatibility/2006">
-        <mc:Choice xmlns:a14="http://schemas.microsoft.com/office/drawing/2010/main" Requires="a14">
-          <p:sp>
-            <p:nvSpPr>
-              <p:cNvPr id="27" name="Rectangle 26"/>
-              <p:cNvSpPr/>
-              <p:nvPr/>
-            </p:nvSpPr>
-            <p:spPr>
-              <a:xfrm>
-                <a:off x="3673236" y="1753225"/>
-                <a:ext cx="446804" cy="369332"/>
-              </a:xfrm>
-              <a:prstGeom prst="rect">
-                <a:avLst/>
-              </a:prstGeom>
-            </p:spPr>
-            <p:txBody>
-              <a:bodyPr wrap="square">
-                <a:spAutoFit/>
-              </a:bodyPr>
-              <a:lstStyle/>
-              <a:p>
-                <a:pPr/>
-                <a14:m>
-                  <m:oMathPara xmlns:m="http://schemas.openxmlformats.org/officeDocument/2006/math">
-                    <m:oMathParaPr>
-                      <m:jc m:val="centerGroup"/>
-                    </m:oMathParaPr>
-                    <m:oMath xmlns:m="http://schemas.openxmlformats.org/officeDocument/2006/math">
-                      <m:sSub>
-                        <m:sSubPr>
-                          <m:ctrlPr>
-                            <a:rPr lang="en-US" b="0" i="1" smtClean="0">
-                              <a:latin typeface="Cambria Math" charset="0"/>
-                            </a:rPr>
-                          </m:ctrlPr>
-                        </m:sSubPr>
-                        <m:e>
-                          <m:r>
-                            <a:rPr lang="en-US" b="0" i="1" smtClean="0">
-                              <a:latin typeface="Cambria Math" charset="0"/>
-                            </a:rPr>
-                            <m:t>ℍ</m:t>
-                          </m:r>
-                        </m:e>
-                        <m:sub>
-                          <m:r>
-                            <a:rPr lang="en-US" b="0" i="1" smtClean="0">
-                              <a:latin typeface="Cambria Math" charset="0"/>
-                            </a:rPr>
-                            <m:t>2</m:t>
-                          </m:r>
-                        </m:sub>
-                      </m:sSub>
-                    </m:oMath>
-                  </m:oMathPara>
-                </a14:m>
-                <a:endParaRPr lang="en-US" dirty="0"/>
-              </a:p>
-            </p:txBody>
-          </p:sp>
-        </mc:Choice>
-        <mc:Fallback>
-          <p:sp>
-            <p:nvSpPr>
-              <p:cNvPr id="27" name="Rectangle 26"/>
-              <p:cNvSpPr>
-                <a:spLocks noRot="1" noChangeAspect="1" noMove="1" noResize="1" noEditPoints="1" noAdjustHandles="1" noChangeArrowheads="1" noChangeShapeType="1" noTextEdit="1"/>
-              </p:cNvSpPr>
-              <p:nvPr/>
-            </p:nvSpPr>
-            <p:spPr>
-              <a:xfrm>
-                <a:off x="3673236" y="1753225"/>
-                <a:ext cx="446804" cy="369332"/>
-              </a:xfrm>
-              <a:prstGeom prst="rect">
-                <a:avLst/>
-              </a:prstGeom>
-              <a:blipFill rotWithShape="0">
-                <a:blip r:embed="rId5"/>
-                <a:stretch>
-                  <a:fillRect/>
-                </a:stretch>
-              </a:blipFill>
-            </p:spPr>
-            <p:txBody>
-              <a:bodyPr/>
-              <a:lstStyle/>
-              <a:p>
-                <a:r>
-                  <a:rPr lang="en-US">
-                    <a:noFill/>
-                  </a:rPr>
-                  <a:t> </a:t>
-                </a:r>
-              </a:p>
-            </p:txBody>
-          </p:sp>
-        </mc:Fallback>
-      </mc:AlternateContent>
-      <p:sp>
-        <p:nvSpPr>
-          <p:cNvPr id="28" name="Oval 27"/>
-          <p:cNvSpPr/>
-          <p:nvPr/>
-        </p:nvSpPr>
-        <p:spPr>
-          <a:xfrm>
-            <a:off x="6669188" y="2064020"/>
-            <a:ext cx="137160" cy="137160"/>
-          </a:xfrm>
-          <a:prstGeom prst="ellipse">
-            <a:avLst/>
-          </a:prstGeom>
-        </p:spPr>
-        <p:style>
-          <a:lnRef idx="2">
-            <a:schemeClr val="accent2">
-              <a:shade val="50000"/>
-            </a:schemeClr>
-          </a:lnRef>
-          <a:fillRef idx="1">
-            <a:schemeClr val="accent2"/>
-          </a:fillRef>
-          <a:effectRef idx="0">
-            <a:schemeClr val="accent2"/>
-          </a:effectRef>
-          <a:fontRef idx="minor">
-            <a:schemeClr val="lt1"/>
-          </a:fontRef>
-        </p:style>
-        <p:txBody>
-          <a:bodyPr rtlCol="0" anchor="ctr"/>
-          <a:lstStyle/>
-          <a:p>
-            <a:pPr algn="ctr"/>
-            <a:endParaRPr lang="en-US"/>
-          </a:p>
-        </p:txBody>
-      </p:sp>
-      <p:cxnSp>
-        <p:nvCxnSpPr>
-          <p:cNvPr id="30" name="Straight Connector 29"/>
-          <p:cNvCxnSpPr>
-            <a:stCxn id="33" idx="7"/>
-            <a:endCxn id="28" idx="5"/>
-          </p:cNvCxnSpPr>
-          <p:nvPr/>
-        </p:nvCxnSpPr>
-        <p:spPr>
-          <a:xfrm flipH="1" flipV="1">
-            <a:off x="6786261" y="2181093"/>
-            <a:ext cx="934721" cy="3297947"/>
-          </a:xfrm>
-          <a:prstGeom prst="line">
-            <a:avLst/>
-          </a:prstGeom>
-          <a:ln w="38100">
-            <a:solidFill>
-              <a:schemeClr val="accent1"/>
-            </a:solidFill>
-          </a:ln>
-        </p:spPr>
-        <p:style>
-          <a:lnRef idx="1">
-            <a:schemeClr val="accent1"/>
-          </a:lnRef>
-          <a:fillRef idx="0">
-            <a:schemeClr val="accent1"/>
-          </a:fillRef>
-          <a:effectRef idx="0">
-            <a:schemeClr val="accent1"/>
-          </a:effectRef>
-          <a:fontRef idx="minor">
-            <a:schemeClr val="tx1"/>
-          </a:fontRef>
-        </p:style>
-      </p:cxnSp>
-      <p:sp>
-        <p:nvSpPr>
-          <p:cNvPr id="33" name="Oval 32"/>
-          <p:cNvSpPr/>
-          <p:nvPr/>
-        </p:nvSpPr>
-        <p:spPr>
-          <a:xfrm>
-            <a:off x="7603909" y="5458953"/>
-            <a:ext cx="137160" cy="137160"/>
-          </a:xfrm>
-          <a:prstGeom prst="ellipse">
-            <a:avLst/>
-          </a:prstGeom>
-        </p:spPr>
-        <p:style>
-          <a:lnRef idx="2">
-            <a:schemeClr val="accent6">
-              <a:shade val="50000"/>
-            </a:schemeClr>
-          </a:lnRef>
-          <a:fillRef idx="1">
-            <a:schemeClr val="accent6"/>
-          </a:fillRef>
-          <a:effectRef idx="0">
-            <a:schemeClr val="accent6"/>
-          </a:effectRef>
-          <a:fontRef idx="minor">
-            <a:schemeClr val="lt1"/>
-          </a:fontRef>
-        </p:style>
-        <p:txBody>
-          <a:bodyPr rtlCol="0" anchor="ctr"/>
-          <a:lstStyle/>
-          <a:p>
-            <a:pPr algn="ctr"/>
-            <a:endParaRPr lang="en-US"/>
-          </a:p>
-        </p:txBody>
-      </p:sp>
-      <mc:AlternateContent xmlns:mc="http://schemas.openxmlformats.org/markup-compatibility/2006">
-        <mc:Choice xmlns:a14="http://schemas.microsoft.com/office/drawing/2010/main" Requires="a14">
-          <p:sp>
-            <p:nvSpPr>
-              <p:cNvPr id="35" name="Rectangle 34"/>
-              <p:cNvSpPr/>
-              <p:nvPr/>
-            </p:nvSpPr>
-            <p:spPr>
-              <a:xfrm>
-                <a:off x="7141638" y="3429000"/>
-                <a:ext cx="530851" cy="369332"/>
-              </a:xfrm>
-              <a:prstGeom prst="rect">
-                <a:avLst/>
-              </a:prstGeom>
-            </p:spPr>
-            <p:txBody>
-              <a:bodyPr wrap="none">
-                <a:spAutoFit/>
-              </a:bodyPr>
-              <a:lstStyle/>
-              <a:p>
-                <a:pPr/>
-                <a14:m>
-                  <m:oMathPara xmlns:m="http://schemas.openxmlformats.org/officeDocument/2006/math">
-                    <m:oMathParaPr>
-                      <m:jc m:val="centerGroup"/>
-                    </m:oMathParaPr>
-                    <m:oMath xmlns:m="http://schemas.openxmlformats.org/officeDocument/2006/math">
-                      <m:sSub>
-                        <m:sSubPr>
-                          <m:ctrlPr>
-                            <a:rPr lang="en-US" b="0" i="1" smtClean="0">
-                              <a:latin typeface="Cambria Math" charset="0"/>
-                            </a:rPr>
-                          </m:ctrlPr>
-                        </m:sSubPr>
-                        <m:e>
-                          <m:r>
-                            <a:rPr lang="en-US" b="0" i="1" smtClean="0">
-                              <a:latin typeface="Cambria Math" charset="0"/>
-                            </a:rPr>
-                            <m:t>ℍ</m:t>
-                          </m:r>
-                        </m:e>
-                        <m:sub>
-                          <m:r>
-                            <a:rPr lang="en-US" b="0" i="1" smtClean="0">
-                              <a:latin typeface="Cambria Math" charset="0"/>
-                            </a:rPr>
-                            <m:t>3</m:t>
-                          </m:r>
-                        </m:sub>
-                      </m:sSub>
-                    </m:oMath>
-                  </m:oMathPara>
-                </a14:m>
-                <a:endParaRPr lang="en-US" dirty="0"/>
-              </a:p>
-            </p:txBody>
-          </p:sp>
-        </mc:Choice>
-        <mc:Fallback>
-          <p:sp>
-            <p:nvSpPr>
-              <p:cNvPr id="35" name="Rectangle 34"/>
-              <p:cNvSpPr>
-                <a:spLocks noRot="1" noChangeAspect="1" noMove="1" noResize="1" noEditPoints="1" noAdjustHandles="1" noChangeArrowheads="1" noChangeShapeType="1" noTextEdit="1"/>
-              </p:cNvSpPr>
-              <p:nvPr/>
-            </p:nvSpPr>
-            <p:spPr>
-              <a:xfrm>
-                <a:off x="7141638" y="3429000"/>
-                <a:ext cx="530851" cy="369332"/>
-              </a:xfrm>
-              <a:prstGeom prst="rect">
-                <a:avLst/>
-              </a:prstGeom>
-              <a:blipFill rotWithShape="0">
-                <a:blip r:embed="rId6"/>
-                <a:stretch>
-                  <a:fillRect/>
-                </a:stretch>
-              </a:blipFill>
-            </p:spPr>
-            <p:txBody>
-              <a:bodyPr/>
-              <a:lstStyle/>
-              <a:p>
-                <a:r>
-                  <a:rPr lang="en-US">
-                    <a:noFill/>
-                  </a:rPr>
-                  <a:t> </a:t>
-                </a:r>
-              </a:p>
-            </p:txBody>
-          </p:sp>
-        </mc:Fallback>
-      </mc:AlternateContent>
-      <mc:AlternateContent xmlns:mc="http://schemas.openxmlformats.org/markup-compatibility/2006">
-        <mc:Choice xmlns:a14="http://schemas.microsoft.com/office/drawing/2010/main" Requires="a14">
-          <p:sp>
-            <p:nvSpPr>
-              <p:cNvPr id="36" name="TextBox 35"/>
-              <p:cNvSpPr txBox="1"/>
-              <p:nvPr/>
-            </p:nvSpPr>
-            <p:spPr>
-              <a:xfrm>
-                <a:off x="7239418" y="5548887"/>
-                <a:ext cx="1457387" cy="651269"/>
-              </a:xfrm>
-              <a:prstGeom prst="rect">
-                <a:avLst/>
-              </a:prstGeom>
-              <a:noFill/>
-            </p:spPr>
-            <p:txBody>
-              <a:bodyPr wrap="none" rtlCol="0">
-                <a:spAutoFit/>
-              </a:bodyPr>
-              <a:lstStyle/>
-              <a:p>
-                <a:r>
-                  <a:rPr lang="en-US" b="0" dirty="0" smtClean="0"/>
-                  <a:t>Destination</a:t>
-                </a:r>
-              </a:p>
-              <a:p>
-                <a:pPr/>
-                <a14:m>
-                  <m:oMathPara xmlns:m="http://schemas.openxmlformats.org/officeDocument/2006/math">
-                    <m:oMathParaPr>
-                      <m:jc m:val="centerGroup"/>
-                    </m:oMathParaPr>
-                    <m:oMath xmlns:m="http://schemas.openxmlformats.org/officeDocument/2006/math">
                       <m:sSup>
                         <m:sSupPr>
                           <m:ctrlPr>
                             <a:rPr lang="en-US" b="0" i="1" smtClean="0">
-                              <a:latin typeface="Cambria Math" charset="0"/>
+                              <a:latin typeface="Cambria Math" panose="02040503050406030204" pitchFamily="18" charset="0"/>
                             </a:rPr>
                           </m:ctrlPr>
                         </m:sSupPr>
@@ -4077,240 +3315,141 @@
                           </m:r>
                         </m:sup>
                       </m:sSup>
-                      <m:r>
-                        <a:rPr lang="en-US" b="0" i="1" smtClean="0">
-                          <a:latin typeface="Cambria Math" charset="0"/>
-                        </a:rPr>
-                        <m:t>=</m:t>
-                      </m:r>
-                      <m:sSub>
-                        <m:sSubPr>
-                          <m:ctrlPr>
-                            <a:rPr lang="en-US" b="0" i="1" smtClean="0">
-                              <a:latin typeface="Cambria Math" charset="0"/>
-                            </a:rPr>
-                          </m:ctrlPr>
-                        </m:sSubPr>
-                        <m:e>
-                          <m:r>
-                            <a:rPr lang="en-US" b="0" i="1" smtClean="0">
-                              <a:latin typeface="Cambria Math" charset="0"/>
-                            </a:rPr>
-                            <m:t>ℍ</m:t>
-                          </m:r>
-                        </m:e>
-                        <m:sub>
-                          <m:r>
-                            <a:rPr lang="en-US" b="0" i="1" smtClean="0">
-                              <a:latin typeface="Cambria Math" charset="0"/>
-                            </a:rPr>
-                            <m:t>3</m:t>
-                          </m:r>
-                        </m:sub>
-                      </m:sSub>
-                      <m:d>
-                        <m:dPr>
-                          <m:ctrlPr>
-                            <a:rPr lang="en-US" b="0" i="1" smtClean="0">
-                              <a:latin typeface="Cambria Math" charset="0"/>
-                            </a:rPr>
-                          </m:ctrlPr>
-                        </m:dPr>
-                        <m:e>
-                          <m:r>
-                            <a:rPr lang="en-US" b="0" i="1" smtClean="0">
-                              <a:latin typeface="Cambria Math" charset="0"/>
-                            </a:rPr>
-                            <m:t>1</m:t>
-                          </m:r>
-                        </m:e>
-                      </m:d>
                     </m:oMath>
-                  </m:oMathPara>
-                </a14:m>
-                <a:endParaRPr lang="en-US" dirty="0"/>
-              </a:p>
-            </p:txBody>
-          </p:sp>
-        </mc:Choice>
-        <mc:Fallback>
-          <p:sp>
-            <p:nvSpPr>
-              <p:cNvPr id="36" name="TextBox 35"/>
-              <p:cNvSpPr txBox="1">
-                <a:spLocks noRot="1" noChangeAspect="1" noMove="1" noResize="1" noEditPoints="1" noAdjustHandles="1" noChangeArrowheads="1" noChangeShapeType="1" noTextEdit="1"/>
-              </p:cNvSpPr>
-              <p:nvPr/>
-            </p:nvSpPr>
-            <p:spPr>
-              <a:xfrm>
-                <a:off x="7239418" y="5548887"/>
-                <a:ext cx="1457387" cy="651269"/>
-              </a:xfrm>
-              <a:prstGeom prst="rect">
-                <a:avLst/>
-              </a:prstGeom>
-              <a:blipFill rotWithShape="0">
-                <a:blip r:embed="rId7"/>
-                <a:stretch>
-                  <a:fillRect l="-3766" t="-4673" b="-2804"/>
-                </a:stretch>
-              </a:blipFill>
-            </p:spPr>
-            <p:txBody>
-              <a:bodyPr/>
-              <a:lstStyle/>
-              <a:p>
-                <a:r>
-                  <a:rPr lang="en-US">
-                    <a:noFill/>
-                  </a:rPr>
-                  <a:t> </a:t>
-                </a:r>
-              </a:p>
-            </p:txBody>
-          </p:sp>
-        </mc:Fallback>
-      </mc:AlternateContent>
-      <p:sp>
-        <p:nvSpPr>
-          <p:cNvPr id="46" name="TextBox 45"/>
-          <p:cNvSpPr txBox="1"/>
-          <p:nvPr/>
-        </p:nvSpPr>
-        <p:spPr>
-          <a:xfrm>
-            <a:off x="3854614" y="487097"/>
-            <a:ext cx="3176689" cy="369332"/>
-          </a:xfrm>
-          <a:prstGeom prst="rect">
-            <a:avLst/>
-          </a:prstGeom>
-          <a:noFill/>
-        </p:spPr>
-        <p:txBody>
-          <a:bodyPr wrap="square" rtlCol="0">
-            <a:spAutoFit/>
-          </a:bodyPr>
-          <a:lstStyle/>
-          <a:p>
-            <a:r>
-              <a:rPr lang="en-US" dirty="0" smtClean="0"/>
-              <a:t>Low cost region</a:t>
-            </a:r>
-            <a:endParaRPr lang="en-US" dirty="0"/>
-          </a:p>
-        </p:txBody>
-      </p:sp>
-      <p:sp>
-        <p:nvSpPr>
-          <p:cNvPr id="2" name="Arc 1"/>
-          <p:cNvSpPr/>
-          <p:nvPr/>
-        </p:nvSpPr>
-        <p:spPr>
-          <a:xfrm>
-            <a:off x="873251" y="2162731"/>
-            <a:ext cx="6799237" cy="7536529"/>
-          </a:xfrm>
-          <a:prstGeom prst="arc">
-            <a:avLst>
-              <a:gd name="adj1" fmla="val 11336057"/>
-              <a:gd name="adj2" fmla="val 21148315"/>
-            </a:avLst>
-          </a:prstGeom>
-          <a:ln w="38100">
-            <a:solidFill>
-              <a:srgbClr val="FF0000"/>
-            </a:solidFill>
-          </a:ln>
-        </p:spPr>
-        <p:style>
-          <a:lnRef idx="1">
-            <a:schemeClr val="accent1"/>
-          </a:lnRef>
-          <a:fillRef idx="0">
-            <a:schemeClr val="accent1"/>
-          </a:fillRef>
-          <a:effectRef idx="0">
-            <a:schemeClr val="accent1"/>
-          </a:effectRef>
-          <a:fontRef idx="minor">
-            <a:schemeClr val="tx1"/>
-          </a:fontRef>
-        </p:style>
-        <p:txBody>
-          <a:bodyPr rtlCol="0" anchor="ctr"/>
-          <a:lstStyle/>
-          <a:p>
-            <a:pPr algn="ctr"/>
-            <a:endParaRPr lang="en-US"/>
-          </a:p>
-        </p:txBody>
-      </p:sp>
-      <p:sp>
-        <p:nvSpPr>
-          <p:cNvPr id="25" name="TextBox 24"/>
-          <p:cNvSpPr txBox="1"/>
-          <p:nvPr/>
-        </p:nvSpPr>
-        <p:spPr>
-          <a:xfrm>
-            <a:off x="3302082" y="4259414"/>
-            <a:ext cx="1830749" cy="369332"/>
-          </a:xfrm>
-          <a:prstGeom prst="rect">
-            <a:avLst/>
-          </a:prstGeom>
-          <a:noFill/>
-        </p:spPr>
-        <p:txBody>
-          <a:bodyPr wrap="square" rtlCol="0">
-            <a:spAutoFit/>
-          </a:bodyPr>
-          <a:lstStyle/>
-          <a:p>
-            <a:r>
-              <a:rPr lang="en-US" dirty="0" smtClean="0"/>
-              <a:t>High cost </a:t>
-            </a:r>
-            <a:r>
-              <a:rPr lang="en-US" dirty="0" smtClean="0"/>
-              <a:t>region</a:t>
-            </a:r>
-            <a:endParaRPr lang="en-US" dirty="0"/>
-          </a:p>
-        </p:txBody>
-      </p:sp>
-      <mc:AlternateContent xmlns:mc="http://schemas.openxmlformats.org/markup-compatibility/2006">
-        <mc:Choice xmlns:a14="http://schemas.microsoft.com/office/drawing/2010/main" Requires="a14">
-          <p:sp>
-            <p:nvSpPr>
-              <p:cNvPr id="11" name="TextBox 10"/>
-              <p:cNvSpPr txBox="1"/>
-              <p:nvPr/>
-            </p:nvSpPr>
-            <p:spPr>
-              <a:xfrm>
-                <a:off x="6289378" y="2699811"/>
-                <a:ext cx="397866" cy="369332"/>
-              </a:xfrm>
-              <a:prstGeom prst="rect">
-                <a:avLst/>
-              </a:prstGeom>
-              <a:noFill/>
-            </p:spPr>
-            <p:txBody>
-              <a:bodyPr wrap="none" rtlCol="0">
-                <a:spAutoFit/>
-              </a:bodyPr>
-              <a:lstStyle/>
-              <a:p>
-                <a14:m>
-                  <m:oMathPara xmlns:m="http://schemas.openxmlformats.org/officeDocument/2006/math">
-                    <m:oMathParaPr>
-                      <m:jc m:val="centerGroup"/>
-                    </m:oMathParaPr>
+                  </a14:m>
+                  <a:endParaRPr lang="en-US" dirty="0"/>
+                </a:p>
+              </p:txBody>
+            </p:sp>
+          </mc:Choice>
+          <mc:Fallback xmlns="">
+            <p:sp>
+              <p:nvSpPr>
+                <p:cNvPr id="199" name="TextBox 198"/>
+                <p:cNvSpPr txBox="1">
+                  <a:spLocks noRot="1" noChangeAspect="1" noMove="1" noResize="1" noEditPoints="1" noAdjustHandles="1" noChangeArrowheads="1" noChangeShapeType="1" noTextEdit="1"/>
+                </p:cNvSpPr>
+                <p:nvPr/>
+              </p:nvSpPr>
+              <p:spPr>
+                <a:xfrm>
+                  <a:off x="6364761" y="6417979"/>
+                  <a:ext cx="1570495" cy="374270"/>
+                </a:xfrm>
+                <a:prstGeom prst="rect">
+                  <a:avLst/>
+                </a:prstGeom>
+                <a:blipFill>
+                  <a:blip r:embed="rId3"/>
+                  <a:stretch>
+                    <a:fillRect l="-3502" t="-8197" b="-26230"/>
+                  </a:stretch>
+                </a:blipFill>
+              </p:spPr>
+              <p:txBody>
+                <a:bodyPr/>
+                <a:lstStyle/>
+                <a:p>
+                  <a:r>
+                    <a:rPr lang="en-US">
+                      <a:noFill/>
+                    </a:rPr>
+                    <a:t> </a:t>
+                  </a:r>
+                </a:p>
+              </p:txBody>
+            </p:sp>
+          </mc:Fallback>
+        </mc:AlternateContent>
+        <p:sp>
+          <p:nvSpPr>
+            <p:cNvPr id="200" name="TextBox 199"/>
+            <p:cNvSpPr txBox="1"/>
+            <p:nvPr/>
+          </p:nvSpPr>
+          <p:spPr>
+            <a:xfrm>
+              <a:off x="1812113" y="3799066"/>
+              <a:ext cx="1825217" cy="369332"/>
+            </a:xfrm>
+            <a:prstGeom prst="rect">
+              <a:avLst/>
+            </a:prstGeom>
+            <a:noFill/>
+          </p:spPr>
+          <p:txBody>
+            <a:bodyPr wrap="square" rtlCol="0">
+              <a:spAutoFit/>
+            </a:bodyPr>
+            <a:lstStyle/>
+            <a:p>
+              <a:r>
+                <a:rPr lang="en-US" dirty="0" smtClean="0"/>
+                <a:t>Low cost region</a:t>
+              </a:r>
+              <a:endParaRPr lang="en-US" dirty="0"/>
+            </a:p>
+          </p:txBody>
+        </p:sp>
+        <p:sp>
+          <p:nvSpPr>
+            <p:cNvPr id="201" name="TextBox 200"/>
+            <p:cNvSpPr txBox="1"/>
+            <p:nvPr/>
+          </p:nvSpPr>
+          <p:spPr>
+            <a:xfrm>
+              <a:off x="3454482" y="5501474"/>
+              <a:ext cx="1830749" cy="369332"/>
+            </a:xfrm>
+            <a:prstGeom prst="rect">
+              <a:avLst/>
+            </a:prstGeom>
+            <a:noFill/>
+          </p:spPr>
+          <p:txBody>
+            <a:bodyPr wrap="square" rtlCol="0">
+              <a:spAutoFit/>
+            </a:bodyPr>
+            <a:lstStyle/>
+            <a:p>
+              <a:r>
+                <a:rPr lang="en-US" dirty="0" smtClean="0"/>
+                <a:t>High cost region</a:t>
+              </a:r>
+              <a:endParaRPr lang="en-US" dirty="0"/>
+            </a:p>
+          </p:txBody>
+        </p:sp>
+        <mc:AlternateContent xmlns:mc="http://schemas.openxmlformats.org/markup-compatibility/2006" xmlns:a14="http://schemas.microsoft.com/office/drawing/2010/main">
+          <mc:Choice Requires="a14">
+            <p:sp>
+              <p:nvSpPr>
+                <p:cNvPr id="202" name="TextBox 201"/>
+                <p:cNvSpPr txBox="1"/>
+                <p:nvPr/>
+              </p:nvSpPr>
+              <p:spPr>
+                <a:xfrm>
+                  <a:off x="4611129" y="4225230"/>
+                  <a:ext cx="2384114" cy="369332"/>
+                </a:xfrm>
+                <a:prstGeom prst="rect">
+                  <a:avLst/>
+                </a:prstGeom>
+                <a:noFill/>
+              </p:spPr>
+              <p:txBody>
+                <a:bodyPr wrap="none" rtlCol="0">
+                  <a:spAutoFit/>
+                </a:bodyPr>
+                <a:lstStyle/>
+                <a:p>
+                  <a:r>
+                    <a:rPr lang="en-US" altLang="zh-CN" b="0" dirty="0" smtClean="0"/>
+                    <a:t>Cost-minimizing path </a:t>
+                  </a:r>
+                  <a14:m>
                     <m:oMath xmlns:m="http://schemas.openxmlformats.org/officeDocument/2006/math">
                       <m:r>
                         <a:rPr lang="en-US" altLang="zh-CN" b="0" i="1" smtClean="0">
@@ -4319,69 +3458,2101 @@
                         <m:t>ℙ</m:t>
                       </m:r>
                     </m:oMath>
-                  </m:oMathPara>
-                </a14:m>
-                <a:endParaRPr lang="en-US" dirty="0"/>
-              </a:p>
-            </p:txBody>
-          </p:sp>
-        </mc:Choice>
-        <mc:Fallback>
-          <p:sp>
-            <p:nvSpPr>
-              <p:cNvPr id="11" name="TextBox 10"/>
-              <p:cNvSpPr txBox="1">
-                <a:spLocks noRot="1" noChangeAspect="1" noMove="1" noResize="1" noEditPoints="1" noAdjustHandles="1" noChangeArrowheads="1" noChangeShapeType="1" noTextEdit="1"/>
-              </p:cNvSpPr>
-              <p:nvPr/>
-            </p:nvSpPr>
-            <p:spPr>
-              <a:xfrm>
-                <a:off x="6289378" y="2699811"/>
-                <a:ext cx="397866" cy="369332"/>
-              </a:xfrm>
-              <a:prstGeom prst="rect">
-                <a:avLst/>
-              </a:prstGeom>
-              <a:blipFill rotWithShape="0">
-                <a:blip r:embed="rId8"/>
-                <a:stretch>
-                  <a:fillRect/>
-                </a:stretch>
-              </a:blipFill>
-            </p:spPr>
-            <p:txBody>
-              <a:bodyPr/>
-              <a:lstStyle/>
-              <a:p>
-                <a:r>
-                  <a:rPr lang="en-US">
-                    <a:noFill/>
-                  </a:rPr>
-                  <a:t> </a:t>
-                </a:r>
-              </a:p>
-            </p:txBody>
-          </p:sp>
-        </mc:Fallback>
-      </mc:AlternateContent>
+                  </a14:m>
+                  <a:endParaRPr lang="en-US" dirty="0"/>
+                </a:p>
+              </p:txBody>
+            </p:sp>
+          </mc:Choice>
+          <mc:Fallback xmlns="">
+            <p:sp>
+              <p:nvSpPr>
+                <p:cNvPr id="202" name="TextBox 201"/>
+                <p:cNvSpPr txBox="1">
+                  <a:spLocks noRot="1" noChangeAspect="1" noMove="1" noResize="1" noEditPoints="1" noAdjustHandles="1" noChangeArrowheads="1" noChangeShapeType="1" noTextEdit="1"/>
+                </p:cNvSpPr>
+                <p:nvPr/>
+              </p:nvSpPr>
+              <p:spPr>
+                <a:xfrm>
+                  <a:off x="4611129" y="4225230"/>
+                  <a:ext cx="2384114" cy="369332"/>
+                </a:xfrm>
+                <a:prstGeom prst="rect">
+                  <a:avLst/>
+                </a:prstGeom>
+                <a:blipFill>
+                  <a:blip r:embed="rId4"/>
+                  <a:stretch>
+                    <a:fillRect l="-2046" t="-8197" b="-24590"/>
+                  </a:stretch>
+                </a:blipFill>
+              </p:spPr>
+              <p:txBody>
+                <a:bodyPr/>
+                <a:lstStyle/>
+                <a:p>
+                  <a:r>
+                    <a:rPr lang="en-US">
+                      <a:noFill/>
+                    </a:rPr>
+                    <a:t> </a:t>
+                  </a:r>
+                </a:p>
+              </p:txBody>
+            </p:sp>
+          </mc:Fallback>
+        </mc:AlternateContent>
+        <p:cxnSp>
+          <p:nvCxnSpPr>
+            <p:cNvPr id="203" name="Straight Connector 202"/>
+            <p:cNvCxnSpPr>
+              <a:endCxn id="196" idx="0"/>
+            </p:cNvCxnSpPr>
+            <p:nvPr/>
+          </p:nvCxnSpPr>
+          <p:spPr>
+            <a:xfrm>
+              <a:off x="2358253" y="5727296"/>
+              <a:ext cx="32806" cy="829325"/>
+            </a:xfrm>
+            <a:prstGeom prst="line">
+              <a:avLst/>
+            </a:prstGeom>
+            <a:ln w="38100">
+              <a:solidFill>
+                <a:srgbClr val="FF0000"/>
+              </a:solidFill>
+            </a:ln>
+          </p:spPr>
+          <p:style>
+            <a:lnRef idx="1">
+              <a:schemeClr val="accent1"/>
+            </a:lnRef>
+            <a:fillRef idx="0">
+              <a:schemeClr val="accent1"/>
+            </a:fillRef>
+            <a:effectRef idx="0">
+              <a:schemeClr val="accent1"/>
+            </a:effectRef>
+            <a:fontRef idx="minor">
+              <a:schemeClr val="tx1"/>
+            </a:fontRef>
+          </p:style>
+        </p:cxnSp>
+        <p:cxnSp>
+          <p:nvCxnSpPr>
+            <p:cNvPr id="204" name="Straight Connector 203"/>
+            <p:cNvCxnSpPr/>
+            <p:nvPr/>
+          </p:nvCxnSpPr>
+          <p:spPr>
+            <a:xfrm flipH="1">
+              <a:off x="2358253" y="4565820"/>
+              <a:ext cx="613547" cy="1161476"/>
+            </a:xfrm>
+            <a:prstGeom prst="line">
+              <a:avLst/>
+            </a:prstGeom>
+            <a:ln w="38100">
+              <a:solidFill>
+                <a:srgbClr val="FF0000"/>
+              </a:solidFill>
+            </a:ln>
+          </p:spPr>
+          <p:style>
+            <a:lnRef idx="1">
+              <a:schemeClr val="accent1"/>
+            </a:lnRef>
+            <a:fillRef idx="0">
+              <a:schemeClr val="accent1"/>
+            </a:fillRef>
+            <a:effectRef idx="0">
+              <a:schemeClr val="accent1"/>
+            </a:effectRef>
+            <a:fontRef idx="minor">
+              <a:schemeClr val="tx1"/>
+            </a:fontRef>
+          </p:style>
+        </p:cxnSp>
+        <p:cxnSp>
+          <p:nvCxnSpPr>
+            <p:cNvPr id="205" name="Straight Connector 204"/>
+            <p:cNvCxnSpPr/>
+            <p:nvPr/>
+          </p:nvCxnSpPr>
+          <p:spPr>
+            <a:xfrm flipH="1">
+              <a:off x="2971801" y="4565820"/>
+              <a:ext cx="2537459" cy="0"/>
+            </a:xfrm>
+            <a:prstGeom prst="line">
+              <a:avLst/>
+            </a:prstGeom>
+            <a:ln w="38100">
+              <a:solidFill>
+                <a:srgbClr val="FF0000"/>
+              </a:solidFill>
+            </a:ln>
+          </p:spPr>
+          <p:style>
+            <a:lnRef idx="1">
+              <a:schemeClr val="accent1"/>
+            </a:lnRef>
+            <a:fillRef idx="0">
+              <a:schemeClr val="accent1"/>
+            </a:fillRef>
+            <a:effectRef idx="0">
+              <a:schemeClr val="accent1"/>
+            </a:effectRef>
+            <a:fontRef idx="minor">
+              <a:schemeClr val="tx1"/>
+            </a:fontRef>
+          </p:style>
+        </p:cxnSp>
+        <p:sp>
+          <p:nvSpPr>
+            <p:cNvPr id="206" name="Arc 205"/>
+            <p:cNvSpPr/>
+            <p:nvPr/>
+          </p:nvSpPr>
+          <p:spPr>
+            <a:xfrm>
+              <a:off x="4809945" y="4565820"/>
+              <a:ext cx="1287167" cy="1964534"/>
+            </a:xfrm>
+            <a:prstGeom prst="arc">
+              <a:avLst>
+                <a:gd name="adj1" fmla="val 16200000"/>
+                <a:gd name="adj2" fmla="val 19472930"/>
+              </a:avLst>
+            </a:prstGeom>
+            <a:ln w="38100">
+              <a:solidFill>
+                <a:srgbClr val="FF0000"/>
+              </a:solidFill>
+            </a:ln>
+          </p:spPr>
+          <p:style>
+            <a:lnRef idx="1">
+              <a:schemeClr val="accent1"/>
+            </a:lnRef>
+            <a:fillRef idx="0">
+              <a:schemeClr val="accent1"/>
+            </a:fillRef>
+            <a:effectRef idx="0">
+              <a:schemeClr val="accent1"/>
+            </a:effectRef>
+            <a:fontRef idx="minor">
+              <a:schemeClr val="tx1"/>
+            </a:fontRef>
+          </p:style>
+          <p:txBody>
+            <a:bodyPr rtlCol="0" anchor="ctr"/>
+            <a:lstStyle/>
+            <a:p>
+              <a:pPr algn="ctr"/>
+              <a:endParaRPr lang="en-US">
+                <a:solidFill>
+                  <a:srgbClr val="FF0000"/>
+                </a:solidFill>
+              </a:endParaRPr>
+            </a:p>
+          </p:txBody>
+        </p:sp>
+        <p:cxnSp>
+          <p:nvCxnSpPr>
+            <p:cNvPr id="207" name="Straight Connector 206"/>
+            <p:cNvCxnSpPr>
+              <a:stCxn id="206" idx="2"/>
+            </p:cNvCxnSpPr>
+            <p:nvPr/>
+          </p:nvCxnSpPr>
+          <p:spPr>
+            <a:xfrm>
+              <a:off x="6036768" y="5132816"/>
+              <a:ext cx="281701" cy="1375583"/>
+            </a:xfrm>
+            <a:prstGeom prst="line">
+              <a:avLst/>
+            </a:prstGeom>
+            <a:ln w="38100">
+              <a:solidFill>
+                <a:srgbClr val="FF0000"/>
+              </a:solidFill>
+            </a:ln>
+          </p:spPr>
+          <p:style>
+            <a:lnRef idx="1">
+              <a:schemeClr val="accent1"/>
+            </a:lnRef>
+            <a:fillRef idx="0">
+              <a:schemeClr val="accent1"/>
+            </a:fillRef>
+            <a:effectRef idx="0">
+              <a:schemeClr val="accent1"/>
+            </a:effectRef>
+            <a:fontRef idx="minor">
+              <a:schemeClr val="tx1"/>
+            </a:fontRef>
+          </p:style>
+        </p:cxnSp>
+      </p:grpSp>
+      <p:grpSp>
+        <p:nvGrpSpPr>
+          <p:cNvPr id="208" name="Group 207"/>
+          <p:cNvGrpSpPr/>
+          <p:nvPr/>
+        </p:nvGrpSpPr>
+        <p:grpSpPr>
+          <a:xfrm>
+            <a:off x="1041846" y="4461020"/>
+            <a:ext cx="6957061" cy="3337559"/>
+            <a:chOff x="1091975" y="124764"/>
+            <a:chExt cx="6957061" cy="3337559"/>
+          </a:xfrm>
+        </p:grpSpPr>
+        <p:sp>
+          <p:nvSpPr>
+            <p:cNvPr id="209" name="Flowchart: Display 208"/>
+            <p:cNvSpPr/>
+            <p:nvPr/>
+          </p:nvSpPr>
+          <p:spPr>
+            <a:xfrm>
+              <a:off x="2431180" y="1244096"/>
+              <a:ext cx="3592424" cy="2203834"/>
+            </a:xfrm>
+            <a:prstGeom prst="flowChartDisplay">
+              <a:avLst/>
+            </a:prstGeom>
+          </p:spPr>
+          <p:style>
+            <a:lnRef idx="2">
+              <a:schemeClr val="accent1">
+                <a:shade val="50000"/>
+              </a:schemeClr>
+            </a:lnRef>
+            <a:fillRef idx="1">
+              <a:schemeClr val="accent1"/>
+            </a:fillRef>
+            <a:effectRef idx="0">
+              <a:schemeClr val="accent1"/>
+            </a:effectRef>
+            <a:fontRef idx="minor">
+              <a:schemeClr val="lt1"/>
+            </a:fontRef>
+          </p:style>
+          <p:txBody>
+            <a:bodyPr rtlCol="0" anchor="ctr"/>
+            <a:lstStyle/>
+            <a:p>
+              <a:pPr algn="ctr"/>
+              <a:endParaRPr lang="en-US"/>
+            </a:p>
+          </p:txBody>
+        </p:sp>
+        <p:sp>
+          <p:nvSpPr>
+            <p:cNvPr id="210" name="Rounded Rectangle 209"/>
+            <p:cNvSpPr/>
+            <p:nvPr/>
+          </p:nvSpPr>
+          <p:spPr>
+            <a:xfrm>
+              <a:off x="1091975" y="124764"/>
+              <a:ext cx="6957061" cy="3337559"/>
+            </a:xfrm>
+            <a:prstGeom prst="roundRect">
+              <a:avLst>
+                <a:gd name="adj" fmla="val 14534"/>
+              </a:avLst>
+            </a:prstGeom>
+            <a:noFill/>
+            <a:ln w="38100"/>
+          </p:spPr>
+          <p:style>
+            <a:lnRef idx="2">
+              <a:schemeClr val="dk1"/>
+            </a:lnRef>
+            <a:fillRef idx="1">
+              <a:schemeClr val="lt1"/>
+            </a:fillRef>
+            <a:effectRef idx="0">
+              <a:schemeClr val="dk1"/>
+            </a:effectRef>
+            <a:fontRef idx="minor">
+              <a:schemeClr val="dk1"/>
+            </a:fontRef>
+          </p:style>
+          <p:txBody>
+            <a:bodyPr rtlCol="0" anchor="ctr"/>
+            <a:lstStyle/>
+            <a:p>
+              <a:pPr algn="ctr"/>
+              <a:endParaRPr lang="en-US" dirty="0"/>
+            </a:p>
+          </p:txBody>
+        </p:sp>
+        <p:sp>
+          <p:nvSpPr>
+            <p:cNvPr id="211" name="Oval 210"/>
+            <p:cNvSpPr/>
+            <p:nvPr/>
+          </p:nvSpPr>
+          <p:spPr>
+            <a:xfrm>
+              <a:off x="2332415" y="3160945"/>
+              <a:ext cx="137160" cy="137160"/>
+            </a:xfrm>
+            <a:prstGeom prst="ellipse">
+              <a:avLst/>
+            </a:prstGeom>
+          </p:spPr>
+          <p:style>
+            <a:lnRef idx="2">
+              <a:schemeClr val="accent2">
+                <a:shade val="50000"/>
+              </a:schemeClr>
+            </a:lnRef>
+            <a:fillRef idx="1">
+              <a:schemeClr val="accent2"/>
+            </a:fillRef>
+            <a:effectRef idx="0">
+              <a:schemeClr val="accent2"/>
+            </a:effectRef>
+            <a:fontRef idx="minor">
+              <a:schemeClr val="lt1"/>
+            </a:fontRef>
+          </p:style>
+          <p:txBody>
+            <a:bodyPr rtlCol="0" anchor="ctr"/>
+            <a:lstStyle/>
+            <a:p>
+              <a:pPr algn="ctr"/>
+              <a:endParaRPr lang="en-US"/>
+            </a:p>
+          </p:txBody>
+        </p:sp>
+        <mc:AlternateContent xmlns:mc="http://schemas.openxmlformats.org/markup-compatibility/2006" xmlns:a14="http://schemas.microsoft.com/office/drawing/2010/main">
+          <mc:Choice Requires="a14">
+            <p:sp>
+              <p:nvSpPr>
+                <p:cNvPr id="212" name="TextBox 211"/>
+                <p:cNvSpPr txBox="1"/>
+                <p:nvPr/>
+              </p:nvSpPr>
+              <p:spPr>
+                <a:xfrm>
+                  <a:off x="1365094" y="2974434"/>
+                  <a:ext cx="1050993" cy="369332"/>
+                </a:xfrm>
+                <a:prstGeom prst="rect">
+                  <a:avLst/>
+                </a:prstGeom>
+                <a:noFill/>
+              </p:spPr>
+              <p:txBody>
+                <a:bodyPr wrap="none" rtlCol="0">
+                  <a:spAutoFit/>
+                </a:bodyPr>
+                <a:lstStyle/>
+                <a:p>
+                  <a:r>
+                    <a:rPr lang="en-US" dirty="0" smtClean="0"/>
+                    <a:t>Origin</a:t>
+                  </a:r>
+                  <a14:m>
+                    <m:oMath xmlns:m="http://schemas.openxmlformats.org/officeDocument/2006/math">
+                      <m:r>
+                        <a:rPr lang="en-US" b="0" i="0" smtClean="0">
+                          <a:latin typeface="Cambria Math" panose="02040503050406030204" pitchFamily="18" charset="0"/>
+                        </a:rPr>
+                        <m:t> </m:t>
+                      </m:r>
+                      <m:sSup>
+                        <m:sSupPr>
+                          <m:ctrlPr>
+                            <a:rPr lang="en-US" b="0" i="1" smtClean="0">
+                              <a:latin typeface="Cambria Math" panose="02040503050406030204" pitchFamily="18" charset="0"/>
+                            </a:rPr>
+                          </m:ctrlPr>
+                        </m:sSupPr>
+                        <m:e>
+                          <m:r>
+                            <a:rPr lang="en-US" b="0" i="1" smtClean="0">
+                              <a:latin typeface="Cambria Math" charset="0"/>
+                            </a:rPr>
+                            <m:t>𝑝</m:t>
+                          </m:r>
+                        </m:e>
+                        <m:sup>
+                          <m:r>
+                            <a:rPr lang="en-US" b="0" i="1" smtClean="0">
+                              <a:latin typeface="Cambria Math" charset="0"/>
+                            </a:rPr>
+                            <m:t>𝑜</m:t>
+                          </m:r>
+                        </m:sup>
+                      </m:sSup>
+                    </m:oMath>
+                  </a14:m>
+                  <a:endParaRPr lang="en-US" dirty="0"/>
+                </a:p>
+              </p:txBody>
+            </p:sp>
+          </mc:Choice>
+          <mc:Fallback xmlns="">
+            <p:sp>
+              <p:nvSpPr>
+                <p:cNvPr id="212" name="TextBox 211"/>
+                <p:cNvSpPr txBox="1">
+                  <a:spLocks noRot="1" noChangeAspect="1" noMove="1" noResize="1" noEditPoints="1" noAdjustHandles="1" noChangeArrowheads="1" noChangeShapeType="1" noTextEdit="1"/>
+                </p:cNvSpPr>
+                <p:nvPr/>
+              </p:nvSpPr>
+              <p:spPr>
+                <a:xfrm>
+                  <a:off x="1365094" y="2974434"/>
+                  <a:ext cx="1050993" cy="369332"/>
+                </a:xfrm>
+                <a:prstGeom prst="rect">
+                  <a:avLst/>
+                </a:prstGeom>
+                <a:blipFill>
+                  <a:blip r:embed="rId5"/>
+                  <a:stretch>
+                    <a:fillRect l="-5233" t="-8197" b="-24590"/>
+                  </a:stretch>
+                </a:blipFill>
+              </p:spPr>
+              <p:txBody>
+                <a:bodyPr/>
+                <a:lstStyle/>
+                <a:p>
+                  <a:r>
+                    <a:rPr lang="en-US">
+                      <a:noFill/>
+                    </a:rPr>
+                    <a:t> </a:t>
+                  </a:r>
+                </a:p>
+              </p:txBody>
+            </p:sp>
+          </mc:Fallback>
+        </mc:AlternateContent>
+        <p:sp>
+          <p:nvSpPr>
+            <p:cNvPr id="213" name="Oval 212"/>
+            <p:cNvSpPr/>
+            <p:nvPr/>
+          </p:nvSpPr>
+          <p:spPr>
+            <a:xfrm>
+              <a:off x="6282925" y="3112723"/>
+              <a:ext cx="137160" cy="137160"/>
+            </a:xfrm>
+            <a:prstGeom prst="ellipse">
+              <a:avLst/>
+            </a:prstGeom>
+          </p:spPr>
+          <p:style>
+            <a:lnRef idx="2">
+              <a:schemeClr val="accent6">
+                <a:shade val="50000"/>
+              </a:schemeClr>
+            </a:lnRef>
+            <a:fillRef idx="1">
+              <a:schemeClr val="accent6"/>
+            </a:fillRef>
+            <a:effectRef idx="0">
+              <a:schemeClr val="accent6"/>
+            </a:effectRef>
+            <a:fontRef idx="minor">
+              <a:schemeClr val="lt1"/>
+            </a:fontRef>
+          </p:style>
+          <p:txBody>
+            <a:bodyPr rtlCol="0" anchor="ctr"/>
+            <a:lstStyle/>
+            <a:p>
+              <a:pPr algn="ctr"/>
+              <a:endParaRPr lang="en-US"/>
+            </a:p>
+          </p:txBody>
+        </p:sp>
+        <mc:AlternateContent xmlns:mc="http://schemas.openxmlformats.org/markup-compatibility/2006" xmlns:a14="http://schemas.microsoft.com/office/drawing/2010/main">
+          <mc:Choice Requires="a14">
+            <p:sp>
+              <p:nvSpPr>
+                <p:cNvPr id="214" name="TextBox 213"/>
+                <p:cNvSpPr txBox="1"/>
+                <p:nvPr/>
+              </p:nvSpPr>
+              <p:spPr>
+                <a:xfrm>
+                  <a:off x="6374697" y="3022303"/>
+                  <a:ext cx="1570495" cy="374270"/>
+                </a:xfrm>
+                <a:prstGeom prst="rect">
+                  <a:avLst/>
+                </a:prstGeom>
+                <a:noFill/>
+              </p:spPr>
+              <p:txBody>
+                <a:bodyPr wrap="none" rtlCol="0">
+                  <a:spAutoFit/>
+                </a:bodyPr>
+                <a:lstStyle/>
+                <a:p>
+                  <a:r>
+                    <a:rPr lang="en-US" b="0" dirty="0" smtClean="0"/>
+                    <a:t>Destination</a:t>
+                  </a:r>
+                  <a14:m>
+                    <m:oMath xmlns:m="http://schemas.openxmlformats.org/officeDocument/2006/math">
+                      <m:r>
+                        <a:rPr lang="en-US" b="0" i="0" smtClean="0">
+                          <a:latin typeface="Cambria Math" panose="02040503050406030204" pitchFamily="18" charset="0"/>
+                        </a:rPr>
+                        <m:t> </m:t>
+                      </m:r>
+                      <m:sSup>
+                        <m:sSupPr>
+                          <m:ctrlPr>
+                            <a:rPr lang="en-US" b="0" i="1" smtClean="0">
+                              <a:latin typeface="Cambria Math" panose="02040503050406030204" pitchFamily="18" charset="0"/>
+                            </a:rPr>
+                          </m:ctrlPr>
+                        </m:sSupPr>
+                        <m:e>
+                          <m:r>
+                            <a:rPr lang="en-US" b="0" i="1" smtClean="0">
+                              <a:latin typeface="Cambria Math" charset="0"/>
+                            </a:rPr>
+                            <m:t>𝑝</m:t>
+                          </m:r>
+                        </m:e>
+                        <m:sup>
+                          <m:r>
+                            <a:rPr lang="en-US" b="0" i="1" smtClean="0">
+                              <a:latin typeface="Cambria Math" charset="0"/>
+                            </a:rPr>
+                            <m:t>𝑑</m:t>
+                          </m:r>
+                        </m:sup>
+                      </m:sSup>
+                    </m:oMath>
+                  </a14:m>
+                  <a:endParaRPr lang="en-US" dirty="0"/>
+                </a:p>
+              </p:txBody>
+            </p:sp>
+          </mc:Choice>
+          <mc:Fallback xmlns="">
+            <p:sp>
+              <p:nvSpPr>
+                <p:cNvPr id="214" name="TextBox 213"/>
+                <p:cNvSpPr txBox="1">
+                  <a:spLocks noRot="1" noChangeAspect="1" noMove="1" noResize="1" noEditPoints="1" noAdjustHandles="1" noChangeArrowheads="1" noChangeShapeType="1" noTextEdit="1"/>
+                </p:cNvSpPr>
+                <p:nvPr/>
+              </p:nvSpPr>
+              <p:spPr>
+                <a:xfrm>
+                  <a:off x="6374697" y="3022303"/>
+                  <a:ext cx="1570495" cy="374270"/>
+                </a:xfrm>
+                <a:prstGeom prst="rect">
+                  <a:avLst/>
+                </a:prstGeom>
+                <a:blipFill>
+                  <a:blip r:embed="rId6"/>
+                  <a:stretch>
+                    <a:fillRect l="-3101" t="-6452" b="-24194"/>
+                  </a:stretch>
+                </a:blipFill>
+              </p:spPr>
+              <p:txBody>
+                <a:bodyPr/>
+                <a:lstStyle/>
+                <a:p>
+                  <a:r>
+                    <a:rPr lang="en-US">
+                      <a:noFill/>
+                    </a:rPr>
+                    <a:t> </a:t>
+                  </a:r>
+                </a:p>
+              </p:txBody>
+            </p:sp>
+          </mc:Fallback>
+        </mc:AlternateContent>
+        <p:sp>
+          <p:nvSpPr>
+            <p:cNvPr id="215" name="TextBox 214"/>
+            <p:cNvSpPr txBox="1"/>
+            <p:nvPr/>
+          </p:nvSpPr>
+          <p:spPr>
+            <a:xfrm>
+              <a:off x="1822049" y="403390"/>
+              <a:ext cx="1825217" cy="369332"/>
+            </a:xfrm>
+            <a:prstGeom prst="rect">
+              <a:avLst/>
+            </a:prstGeom>
+            <a:noFill/>
+          </p:spPr>
+          <p:txBody>
+            <a:bodyPr wrap="square" rtlCol="0">
+              <a:spAutoFit/>
+            </a:bodyPr>
+            <a:lstStyle/>
+            <a:p>
+              <a:r>
+                <a:rPr lang="en-US" dirty="0" smtClean="0"/>
+                <a:t>Low cost region</a:t>
+              </a:r>
+              <a:endParaRPr lang="en-US" dirty="0"/>
+            </a:p>
+          </p:txBody>
+        </p:sp>
+        <p:sp>
+          <p:nvSpPr>
+            <p:cNvPr id="216" name="TextBox 215"/>
+            <p:cNvSpPr txBox="1"/>
+            <p:nvPr/>
+          </p:nvSpPr>
+          <p:spPr>
+            <a:xfrm>
+              <a:off x="3464418" y="2105798"/>
+              <a:ext cx="1830749" cy="369332"/>
+            </a:xfrm>
+            <a:prstGeom prst="rect">
+              <a:avLst/>
+            </a:prstGeom>
+            <a:noFill/>
+          </p:spPr>
+          <p:txBody>
+            <a:bodyPr wrap="square" rtlCol="0">
+              <a:spAutoFit/>
+            </a:bodyPr>
+            <a:lstStyle/>
+            <a:p>
+              <a:r>
+                <a:rPr lang="en-US" dirty="0" smtClean="0"/>
+                <a:t>High cost region</a:t>
+              </a:r>
+              <a:endParaRPr lang="en-US" dirty="0"/>
+            </a:p>
+          </p:txBody>
+        </p:sp>
+        <p:sp>
+          <p:nvSpPr>
+            <p:cNvPr id="217" name="TextBox 216"/>
+            <p:cNvSpPr txBox="1"/>
+            <p:nvPr/>
+          </p:nvSpPr>
+          <p:spPr>
+            <a:xfrm>
+              <a:off x="3465991" y="748294"/>
+              <a:ext cx="4300857" cy="369332"/>
+            </a:xfrm>
+            <a:prstGeom prst="rect">
+              <a:avLst/>
+            </a:prstGeom>
+            <a:noFill/>
+          </p:spPr>
+          <p:txBody>
+            <a:bodyPr wrap="none" rtlCol="0">
+              <a:spAutoFit/>
+            </a:bodyPr>
+            <a:lstStyle/>
+            <a:p>
+              <a:r>
+                <a:rPr lang="en-US" dirty="0" smtClean="0"/>
+                <a:t>Locations with large change in path heading</a:t>
+              </a:r>
+              <a:endParaRPr lang="en-US" dirty="0"/>
+            </a:p>
+          </p:txBody>
+        </p:sp>
+        <p:sp>
+          <p:nvSpPr>
+            <p:cNvPr id="218" name="Oval 217"/>
+            <p:cNvSpPr/>
+            <p:nvPr/>
+          </p:nvSpPr>
+          <p:spPr>
+            <a:xfrm>
+              <a:off x="2299609" y="2274371"/>
+              <a:ext cx="137160" cy="137160"/>
+            </a:xfrm>
+            <a:prstGeom prst="ellipse">
+              <a:avLst/>
+            </a:prstGeom>
+            <a:solidFill>
+              <a:srgbClr val="FF0000"/>
+            </a:solidFill>
+            <a:ln>
+              <a:solidFill>
+                <a:srgbClr val="C00000"/>
+              </a:solidFill>
+            </a:ln>
+          </p:spPr>
+          <p:style>
+            <a:lnRef idx="2">
+              <a:schemeClr val="accent2">
+                <a:shade val="50000"/>
+              </a:schemeClr>
+            </a:lnRef>
+            <a:fillRef idx="1">
+              <a:schemeClr val="accent2"/>
+            </a:fillRef>
+            <a:effectRef idx="0">
+              <a:schemeClr val="accent2"/>
+            </a:effectRef>
+            <a:fontRef idx="minor">
+              <a:schemeClr val="lt1"/>
+            </a:fontRef>
+          </p:style>
+          <p:txBody>
+            <a:bodyPr rtlCol="0" anchor="ctr"/>
+            <a:lstStyle/>
+            <a:p>
+              <a:pPr algn="ctr"/>
+              <a:endParaRPr lang="en-US"/>
+            </a:p>
+          </p:txBody>
+        </p:sp>
+        <p:sp>
+          <p:nvSpPr>
+            <p:cNvPr id="219" name="Oval 218"/>
+            <p:cNvSpPr/>
+            <p:nvPr/>
+          </p:nvSpPr>
+          <p:spPr>
+            <a:xfrm>
+              <a:off x="2911783" y="1101564"/>
+              <a:ext cx="137160" cy="137160"/>
+            </a:xfrm>
+            <a:prstGeom prst="ellipse">
+              <a:avLst/>
+            </a:prstGeom>
+            <a:solidFill>
+              <a:srgbClr val="FF0000"/>
+            </a:solidFill>
+            <a:ln>
+              <a:solidFill>
+                <a:srgbClr val="C00000"/>
+              </a:solidFill>
+            </a:ln>
+          </p:spPr>
+          <p:style>
+            <a:lnRef idx="2">
+              <a:schemeClr val="accent2">
+                <a:shade val="50000"/>
+              </a:schemeClr>
+            </a:lnRef>
+            <a:fillRef idx="1">
+              <a:schemeClr val="accent2"/>
+            </a:fillRef>
+            <a:effectRef idx="0">
+              <a:schemeClr val="accent2"/>
+            </a:effectRef>
+            <a:fontRef idx="minor">
+              <a:schemeClr val="lt1"/>
+            </a:fontRef>
+          </p:style>
+          <p:txBody>
+            <a:bodyPr rtlCol="0" anchor="ctr"/>
+            <a:lstStyle/>
+            <a:p>
+              <a:pPr algn="ctr"/>
+              <a:endParaRPr lang="en-US"/>
+            </a:p>
+          </p:txBody>
+        </p:sp>
+        <p:sp>
+          <p:nvSpPr>
+            <p:cNvPr id="220" name="Oval 219"/>
+            <p:cNvSpPr/>
+            <p:nvPr/>
+          </p:nvSpPr>
+          <p:spPr>
+            <a:xfrm>
+              <a:off x="5437644" y="1106936"/>
+              <a:ext cx="137160" cy="137160"/>
+            </a:xfrm>
+            <a:prstGeom prst="ellipse">
+              <a:avLst/>
+            </a:prstGeom>
+            <a:solidFill>
+              <a:srgbClr val="FF0000"/>
+            </a:solidFill>
+            <a:ln>
+              <a:solidFill>
+                <a:srgbClr val="C00000"/>
+              </a:solidFill>
+            </a:ln>
+          </p:spPr>
+          <p:style>
+            <a:lnRef idx="2">
+              <a:schemeClr val="accent2">
+                <a:shade val="50000"/>
+              </a:schemeClr>
+            </a:lnRef>
+            <a:fillRef idx="1">
+              <a:schemeClr val="accent2"/>
+            </a:fillRef>
+            <a:effectRef idx="0">
+              <a:schemeClr val="accent2"/>
+            </a:effectRef>
+            <a:fontRef idx="minor">
+              <a:schemeClr val="lt1"/>
+            </a:fontRef>
+          </p:style>
+          <p:txBody>
+            <a:bodyPr rtlCol="0" anchor="ctr"/>
+            <a:lstStyle/>
+            <a:p>
+              <a:pPr algn="ctr"/>
+              <a:endParaRPr lang="en-US"/>
+            </a:p>
+          </p:txBody>
+        </p:sp>
+        <p:sp>
+          <p:nvSpPr>
+            <p:cNvPr id="221" name="Oval 220"/>
+            <p:cNvSpPr/>
+            <p:nvPr/>
+          </p:nvSpPr>
+          <p:spPr>
+            <a:xfrm>
+              <a:off x="5582187" y="1152911"/>
+              <a:ext cx="137160" cy="137160"/>
+            </a:xfrm>
+            <a:prstGeom prst="ellipse">
+              <a:avLst/>
+            </a:prstGeom>
+            <a:solidFill>
+              <a:srgbClr val="FF0000"/>
+            </a:solidFill>
+            <a:ln>
+              <a:solidFill>
+                <a:srgbClr val="C00000"/>
+              </a:solidFill>
+            </a:ln>
+          </p:spPr>
+          <p:style>
+            <a:lnRef idx="2">
+              <a:schemeClr val="accent2">
+                <a:shade val="50000"/>
+              </a:schemeClr>
+            </a:lnRef>
+            <a:fillRef idx="1">
+              <a:schemeClr val="accent2"/>
+            </a:fillRef>
+            <a:effectRef idx="0">
+              <a:schemeClr val="accent2"/>
+            </a:effectRef>
+            <a:fontRef idx="minor">
+              <a:schemeClr val="lt1"/>
+            </a:fontRef>
+          </p:style>
+          <p:txBody>
+            <a:bodyPr rtlCol="0" anchor="ctr"/>
+            <a:lstStyle/>
+            <a:p>
+              <a:pPr algn="ctr"/>
+              <a:endParaRPr lang="en-US"/>
+            </a:p>
+          </p:txBody>
+        </p:sp>
+        <p:sp>
+          <p:nvSpPr>
+            <p:cNvPr id="222" name="Oval 221"/>
+            <p:cNvSpPr/>
+            <p:nvPr/>
+          </p:nvSpPr>
+          <p:spPr>
+            <a:xfrm>
+              <a:off x="5711847" y="1248153"/>
+              <a:ext cx="137160" cy="137160"/>
+            </a:xfrm>
+            <a:prstGeom prst="ellipse">
+              <a:avLst/>
+            </a:prstGeom>
+            <a:solidFill>
+              <a:srgbClr val="FF0000"/>
+            </a:solidFill>
+            <a:ln>
+              <a:solidFill>
+                <a:srgbClr val="C00000"/>
+              </a:solidFill>
+            </a:ln>
+          </p:spPr>
+          <p:style>
+            <a:lnRef idx="2">
+              <a:schemeClr val="accent2">
+                <a:shade val="50000"/>
+              </a:schemeClr>
+            </a:lnRef>
+            <a:fillRef idx="1">
+              <a:schemeClr val="accent2"/>
+            </a:fillRef>
+            <a:effectRef idx="0">
+              <a:schemeClr val="accent2"/>
+            </a:effectRef>
+            <a:fontRef idx="minor">
+              <a:schemeClr val="lt1"/>
+            </a:fontRef>
+          </p:style>
+          <p:txBody>
+            <a:bodyPr rtlCol="0" anchor="ctr"/>
+            <a:lstStyle/>
+            <a:p>
+              <a:pPr algn="ctr"/>
+              <a:endParaRPr lang="en-US"/>
+            </a:p>
+          </p:txBody>
+        </p:sp>
+        <p:sp>
+          <p:nvSpPr>
+            <p:cNvPr id="223" name="Oval 222"/>
+            <p:cNvSpPr/>
+            <p:nvPr/>
+          </p:nvSpPr>
+          <p:spPr>
+            <a:xfrm>
+              <a:off x="5870387" y="1463649"/>
+              <a:ext cx="137160" cy="137160"/>
+            </a:xfrm>
+            <a:prstGeom prst="ellipse">
+              <a:avLst/>
+            </a:prstGeom>
+            <a:solidFill>
+              <a:srgbClr val="FF0000"/>
+            </a:solidFill>
+            <a:ln>
+              <a:solidFill>
+                <a:srgbClr val="C00000"/>
+              </a:solidFill>
+            </a:ln>
+          </p:spPr>
+          <p:style>
+            <a:lnRef idx="2">
+              <a:schemeClr val="accent2">
+                <a:shade val="50000"/>
+              </a:schemeClr>
+            </a:lnRef>
+            <a:fillRef idx="1">
+              <a:schemeClr val="accent2"/>
+            </a:fillRef>
+            <a:effectRef idx="0">
+              <a:schemeClr val="accent2"/>
+            </a:effectRef>
+            <a:fontRef idx="minor">
+              <a:schemeClr val="lt1"/>
+            </a:fontRef>
+          </p:style>
+          <p:txBody>
+            <a:bodyPr rtlCol="0" anchor="ctr"/>
+            <a:lstStyle/>
+            <a:p>
+              <a:pPr algn="ctr"/>
+              <a:endParaRPr lang="en-US"/>
+            </a:p>
+          </p:txBody>
+        </p:sp>
+        <p:sp>
+          <p:nvSpPr>
+            <p:cNvPr id="224" name="Oval 223"/>
+            <p:cNvSpPr/>
+            <p:nvPr/>
+          </p:nvSpPr>
+          <p:spPr>
+            <a:xfrm>
+              <a:off x="5952479" y="1594176"/>
+              <a:ext cx="137160" cy="137160"/>
+            </a:xfrm>
+            <a:prstGeom prst="ellipse">
+              <a:avLst/>
+            </a:prstGeom>
+            <a:solidFill>
+              <a:srgbClr val="FF0000"/>
+            </a:solidFill>
+            <a:ln>
+              <a:solidFill>
+                <a:srgbClr val="C00000"/>
+              </a:solidFill>
+            </a:ln>
+          </p:spPr>
+          <p:style>
+            <a:lnRef idx="2">
+              <a:schemeClr val="accent2">
+                <a:shade val="50000"/>
+              </a:schemeClr>
+            </a:lnRef>
+            <a:fillRef idx="1">
+              <a:schemeClr val="accent2"/>
+            </a:fillRef>
+            <a:effectRef idx="0">
+              <a:schemeClr val="accent2"/>
+            </a:effectRef>
+            <a:fontRef idx="minor">
+              <a:schemeClr val="lt1"/>
+            </a:fontRef>
+          </p:style>
+          <p:txBody>
+            <a:bodyPr rtlCol="0" anchor="ctr"/>
+            <a:lstStyle/>
+            <a:p>
+              <a:pPr algn="ctr"/>
+              <a:endParaRPr lang="en-US"/>
+            </a:p>
+          </p:txBody>
+        </p:sp>
+      </p:grpSp>
+      <p:grpSp>
+        <p:nvGrpSpPr>
+          <p:cNvPr id="225" name="Group 224"/>
+          <p:cNvGrpSpPr/>
+          <p:nvPr/>
+        </p:nvGrpSpPr>
+        <p:grpSpPr>
+          <a:xfrm>
+            <a:off x="1043418" y="8722998"/>
+            <a:ext cx="6957061" cy="3337559"/>
+            <a:chOff x="1043419" y="7361290"/>
+            <a:chExt cx="6957061" cy="3337559"/>
+          </a:xfrm>
+        </p:grpSpPr>
+        <p:sp>
+          <p:nvSpPr>
+            <p:cNvPr id="226" name="Flowchart: Display 225"/>
+            <p:cNvSpPr/>
+            <p:nvPr/>
+          </p:nvSpPr>
+          <p:spPr>
+            <a:xfrm>
+              <a:off x="2382624" y="8480622"/>
+              <a:ext cx="3592424" cy="2203834"/>
+            </a:xfrm>
+            <a:prstGeom prst="flowChartDisplay">
+              <a:avLst/>
+            </a:prstGeom>
+          </p:spPr>
+          <p:style>
+            <a:lnRef idx="2">
+              <a:schemeClr val="accent1">
+                <a:shade val="50000"/>
+              </a:schemeClr>
+            </a:lnRef>
+            <a:fillRef idx="1">
+              <a:schemeClr val="accent1"/>
+            </a:fillRef>
+            <a:effectRef idx="0">
+              <a:schemeClr val="accent1"/>
+            </a:effectRef>
+            <a:fontRef idx="minor">
+              <a:schemeClr val="lt1"/>
+            </a:fontRef>
+          </p:style>
+          <p:txBody>
+            <a:bodyPr rtlCol="0" anchor="ctr"/>
+            <a:lstStyle/>
+            <a:p>
+              <a:pPr algn="ctr"/>
+              <a:endParaRPr lang="en-US"/>
+            </a:p>
+          </p:txBody>
+        </p:sp>
+        <p:sp>
+          <p:nvSpPr>
+            <p:cNvPr id="227" name="Rounded Rectangle 226"/>
+            <p:cNvSpPr/>
+            <p:nvPr/>
+          </p:nvSpPr>
+          <p:spPr>
+            <a:xfrm>
+              <a:off x="1043419" y="7361290"/>
+              <a:ext cx="6957061" cy="3337559"/>
+            </a:xfrm>
+            <a:prstGeom prst="roundRect">
+              <a:avLst>
+                <a:gd name="adj" fmla="val 14534"/>
+              </a:avLst>
+            </a:prstGeom>
+            <a:noFill/>
+            <a:ln w="38100"/>
+          </p:spPr>
+          <p:style>
+            <a:lnRef idx="2">
+              <a:schemeClr val="dk1"/>
+            </a:lnRef>
+            <a:fillRef idx="1">
+              <a:schemeClr val="lt1"/>
+            </a:fillRef>
+            <a:effectRef idx="0">
+              <a:schemeClr val="dk1"/>
+            </a:effectRef>
+            <a:fontRef idx="minor">
+              <a:schemeClr val="dk1"/>
+            </a:fontRef>
+          </p:style>
+          <p:txBody>
+            <a:bodyPr rtlCol="0" anchor="ctr"/>
+            <a:lstStyle/>
+            <a:p>
+              <a:pPr algn="ctr"/>
+              <a:endParaRPr lang="en-US" dirty="0"/>
+            </a:p>
+          </p:txBody>
+        </p:sp>
+        <p:sp>
+          <p:nvSpPr>
+            <p:cNvPr id="228" name="Oval 227"/>
+            <p:cNvSpPr/>
+            <p:nvPr/>
+          </p:nvSpPr>
+          <p:spPr>
+            <a:xfrm>
+              <a:off x="2283859" y="10397471"/>
+              <a:ext cx="137160" cy="137160"/>
+            </a:xfrm>
+            <a:prstGeom prst="ellipse">
+              <a:avLst/>
+            </a:prstGeom>
+          </p:spPr>
+          <p:style>
+            <a:lnRef idx="2">
+              <a:schemeClr val="accent2">
+                <a:shade val="50000"/>
+              </a:schemeClr>
+            </a:lnRef>
+            <a:fillRef idx="1">
+              <a:schemeClr val="accent2"/>
+            </a:fillRef>
+            <a:effectRef idx="0">
+              <a:schemeClr val="accent2"/>
+            </a:effectRef>
+            <a:fontRef idx="minor">
+              <a:schemeClr val="lt1"/>
+            </a:fontRef>
+          </p:style>
+          <p:txBody>
+            <a:bodyPr rtlCol="0" anchor="ctr"/>
+            <a:lstStyle/>
+            <a:p>
+              <a:pPr algn="ctr"/>
+              <a:endParaRPr lang="en-US"/>
+            </a:p>
+          </p:txBody>
+        </p:sp>
+        <mc:AlternateContent xmlns:mc="http://schemas.openxmlformats.org/markup-compatibility/2006" xmlns:a14="http://schemas.microsoft.com/office/drawing/2010/main">
+          <mc:Choice Requires="a14">
+            <p:sp>
+              <p:nvSpPr>
+                <p:cNvPr id="229" name="TextBox 228"/>
+                <p:cNvSpPr txBox="1"/>
+                <p:nvPr/>
+              </p:nvSpPr>
+              <p:spPr>
+                <a:xfrm>
+                  <a:off x="1313618" y="10165299"/>
+                  <a:ext cx="1050993" cy="369332"/>
+                </a:xfrm>
+                <a:prstGeom prst="rect">
+                  <a:avLst/>
+                </a:prstGeom>
+                <a:noFill/>
+              </p:spPr>
+              <p:txBody>
+                <a:bodyPr wrap="none" rtlCol="0">
+                  <a:spAutoFit/>
+                </a:bodyPr>
+                <a:lstStyle/>
+                <a:p>
+                  <a:r>
+                    <a:rPr lang="en-US" dirty="0" smtClean="0"/>
+                    <a:t>Origin</a:t>
+                  </a:r>
+                  <a14:m>
+                    <m:oMath xmlns:m="http://schemas.openxmlformats.org/officeDocument/2006/math">
+                      <m:r>
+                        <a:rPr lang="en-US" b="0" i="0" smtClean="0">
+                          <a:latin typeface="Cambria Math" panose="02040503050406030204" pitchFamily="18" charset="0"/>
+                        </a:rPr>
+                        <m:t> </m:t>
+                      </m:r>
+                      <m:sSup>
+                        <m:sSupPr>
+                          <m:ctrlPr>
+                            <a:rPr lang="en-US" b="0" i="1" smtClean="0">
+                              <a:latin typeface="Cambria Math" panose="02040503050406030204" pitchFamily="18" charset="0"/>
+                            </a:rPr>
+                          </m:ctrlPr>
+                        </m:sSupPr>
+                        <m:e>
+                          <m:r>
+                            <a:rPr lang="en-US" b="0" i="1" smtClean="0">
+                              <a:latin typeface="Cambria Math" charset="0"/>
+                            </a:rPr>
+                            <m:t>𝑝</m:t>
+                          </m:r>
+                        </m:e>
+                        <m:sup>
+                          <m:r>
+                            <a:rPr lang="en-US" b="0" i="1" smtClean="0">
+                              <a:latin typeface="Cambria Math" charset="0"/>
+                            </a:rPr>
+                            <m:t>𝑜</m:t>
+                          </m:r>
+                        </m:sup>
+                      </m:sSup>
+                    </m:oMath>
+                  </a14:m>
+                  <a:endParaRPr lang="en-US" dirty="0"/>
+                </a:p>
+              </p:txBody>
+            </p:sp>
+          </mc:Choice>
+          <mc:Fallback xmlns="">
+            <p:sp>
+              <p:nvSpPr>
+                <p:cNvPr id="229" name="TextBox 228"/>
+                <p:cNvSpPr txBox="1">
+                  <a:spLocks noRot="1" noChangeAspect="1" noMove="1" noResize="1" noEditPoints="1" noAdjustHandles="1" noChangeArrowheads="1" noChangeShapeType="1" noTextEdit="1"/>
+                </p:cNvSpPr>
+                <p:nvPr/>
+              </p:nvSpPr>
+              <p:spPr>
+                <a:xfrm>
+                  <a:off x="1313618" y="10165299"/>
+                  <a:ext cx="1050993" cy="369332"/>
+                </a:xfrm>
+                <a:prstGeom prst="rect">
+                  <a:avLst/>
+                </a:prstGeom>
+                <a:blipFill>
+                  <a:blip r:embed="rId8"/>
+                  <a:stretch>
+                    <a:fillRect l="-4624" t="-10000" b="-26667"/>
+                  </a:stretch>
+                </a:blipFill>
+              </p:spPr>
+              <p:txBody>
+                <a:bodyPr/>
+                <a:lstStyle/>
+                <a:p>
+                  <a:r>
+                    <a:rPr lang="en-US">
+                      <a:noFill/>
+                    </a:rPr>
+                    <a:t> </a:t>
+                  </a:r>
+                </a:p>
+              </p:txBody>
+            </p:sp>
+          </mc:Fallback>
+        </mc:AlternateContent>
+        <mc:AlternateContent xmlns:mc="http://schemas.openxmlformats.org/markup-compatibility/2006" xmlns:a14="http://schemas.microsoft.com/office/drawing/2010/main">
+          <mc:Choice Requires="a14">
+            <p:sp>
+              <p:nvSpPr>
+                <p:cNvPr id="230" name="TextBox 229"/>
+                <p:cNvSpPr txBox="1"/>
+                <p:nvPr/>
+              </p:nvSpPr>
+              <p:spPr>
+                <a:xfrm>
+                  <a:off x="6326141" y="10258829"/>
+                  <a:ext cx="1570495" cy="374270"/>
+                </a:xfrm>
+                <a:prstGeom prst="rect">
+                  <a:avLst/>
+                </a:prstGeom>
+                <a:noFill/>
+              </p:spPr>
+              <p:txBody>
+                <a:bodyPr wrap="none" rtlCol="0">
+                  <a:spAutoFit/>
+                </a:bodyPr>
+                <a:lstStyle/>
+                <a:p>
+                  <a:r>
+                    <a:rPr lang="en-US" b="0" dirty="0" smtClean="0"/>
+                    <a:t>Destination</a:t>
+                  </a:r>
+                  <a14:m>
+                    <m:oMath xmlns:m="http://schemas.openxmlformats.org/officeDocument/2006/math">
+                      <m:r>
+                        <a:rPr lang="en-US" b="0" i="0" smtClean="0">
+                          <a:latin typeface="Cambria Math" panose="02040503050406030204" pitchFamily="18" charset="0"/>
+                        </a:rPr>
+                        <m:t> </m:t>
+                      </m:r>
+                      <m:sSup>
+                        <m:sSupPr>
+                          <m:ctrlPr>
+                            <a:rPr lang="en-US" b="0" i="1" smtClean="0">
+                              <a:latin typeface="Cambria Math" panose="02040503050406030204" pitchFamily="18" charset="0"/>
+                            </a:rPr>
+                          </m:ctrlPr>
+                        </m:sSupPr>
+                        <m:e>
+                          <m:r>
+                            <a:rPr lang="en-US" b="0" i="1" smtClean="0">
+                              <a:latin typeface="Cambria Math" charset="0"/>
+                            </a:rPr>
+                            <m:t>𝑝</m:t>
+                          </m:r>
+                        </m:e>
+                        <m:sup>
+                          <m:r>
+                            <a:rPr lang="en-US" b="0" i="1" smtClean="0">
+                              <a:latin typeface="Cambria Math" charset="0"/>
+                            </a:rPr>
+                            <m:t>𝑑</m:t>
+                          </m:r>
+                        </m:sup>
+                      </m:sSup>
+                    </m:oMath>
+                  </a14:m>
+                  <a:endParaRPr lang="en-US" dirty="0"/>
+                </a:p>
+              </p:txBody>
+            </p:sp>
+          </mc:Choice>
+          <mc:Fallback xmlns="">
+            <p:sp>
+              <p:nvSpPr>
+                <p:cNvPr id="230" name="TextBox 229"/>
+                <p:cNvSpPr txBox="1">
+                  <a:spLocks noRot="1" noChangeAspect="1" noMove="1" noResize="1" noEditPoints="1" noAdjustHandles="1" noChangeArrowheads="1" noChangeShapeType="1" noTextEdit="1"/>
+                </p:cNvSpPr>
+                <p:nvPr/>
+              </p:nvSpPr>
+              <p:spPr>
+                <a:xfrm>
+                  <a:off x="6326141" y="10258829"/>
+                  <a:ext cx="1570495" cy="374270"/>
+                </a:xfrm>
+                <a:prstGeom prst="rect">
+                  <a:avLst/>
+                </a:prstGeom>
+                <a:blipFill>
+                  <a:blip r:embed="rId9"/>
+                  <a:stretch>
+                    <a:fillRect l="-3502" t="-6452" b="-24194"/>
+                  </a:stretch>
+                </a:blipFill>
+              </p:spPr>
+              <p:txBody>
+                <a:bodyPr/>
+                <a:lstStyle/>
+                <a:p>
+                  <a:r>
+                    <a:rPr lang="en-US">
+                      <a:noFill/>
+                    </a:rPr>
+                    <a:t> </a:t>
+                  </a:r>
+                </a:p>
+              </p:txBody>
+            </p:sp>
+          </mc:Fallback>
+        </mc:AlternateContent>
+        <p:sp>
+          <p:nvSpPr>
+            <p:cNvPr id="231" name="TextBox 230"/>
+            <p:cNvSpPr txBox="1"/>
+            <p:nvPr/>
+          </p:nvSpPr>
+          <p:spPr>
+            <a:xfrm>
+              <a:off x="1773493" y="7639916"/>
+              <a:ext cx="1825217" cy="369332"/>
+            </a:xfrm>
+            <a:prstGeom prst="rect">
+              <a:avLst/>
+            </a:prstGeom>
+            <a:noFill/>
+          </p:spPr>
+          <p:txBody>
+            <a:bodyPr wrap="square" rtlCol="0">
+              <a:spAutoFit/>
+            </a:bodyPr>
+            <a:lstStyle/>
+            <a:p>
+              <a:r>
+                <a:rPr lang="en-US" dirty="0" smtClean="0"/>
+                <a:t>Low cost region</a:t>
+              </a:r>
+              <a:endParaRPr lang="en-US" dirty="0"/>
+            </a:p>
+          </p:txBody>
+        </p:sp>
+        <p:sp>
+          <p:nvSpPr>
+            <p:cNvPr id="232" name="TextBox 231"/>
+            <p:cNvSpPr txBox="1"/>
+            <p:nvPr/>
+          </p:nvSpPr>
+          <p:spPr>
+            <a:xfrm>
+              <a:off x="3415862" y="9342324"/>
+              <a:ext cx="1830749" cy="369332"/>
+            </a:xfrm>
+            <a:prstGeom prst="rect">
+              <a:avLst/>
+            </a:prstGeom>
+            <a:noFill/>
+          </p:spPr>
+          <p:txBody>
+            <a:bodyPr wrap="square" rtlCol="0">
+              <a:spAutoFit/>
+            </a:bodyPr>
+            <a:lstStyle/>
+            <a:p>
+              <a:r>
+                <a:rPr lang="en-US" dirty="0" smtClean="0"/>
+                <a:t>High cost region</a:t>
+              </a:r>
+              <a:endParaRPr lang="en-US" dirty="0"/>
+            </a:p>
+          </p:txBody>
+        </p:sp>
+        <mc:AlternateContent xmlns:mc="http://schemas.openxmlformats.org/markup-compatibility/2006" xmlns:a14="http://schemas.microsoft.com/office/drawing/2010/main">
+          <mc:Choice Requires="a14">
+            <p:sp>
+              <p:nvSpPr>
+                <p:cNvPr id="233" name="TextBox 232"/>
+                <p:cNvSpPr txBox="1"/>
+                <p:nvPr/>
+              </p:nvSpPr>
+              <p:spPr>
+                <a:xfrm>
+                  <a:off x="3649942" y="8021065"/>
+                  <a:ext cx="3767378" cy="369332"/>
+                </a:xfrm>
+                <a:prstGeom prst="rect">
+                  <a:avLst/>
+                </a:prstGeom>
+                <a:noFill/>
+              </p:spPr>
+              <p:txBody>
+                <a:bodyPr wrap="none" rtlCol="0">
+                  <a:spAutoFit/>
+                </a:bodyPr>
+                <a:lstStyle/>
+                <a:p>
+                  <a:r>
+                    <a:rPr lang="en-US" altLang="zh-CN" b="0" dirty="0" smtClean="0"/>
+                    <a:t>Sequence of highways </a:t>
+                  </a:r>
+                  <a14:m>
+                    <m:oMath xmlns:m="http://schemas.openxmlformats.org/officeDocument/2006/math">
+                      <m:sSub>
+                        <m:sSubPr>
+                          <m:ctrlPr>
+                            <a:rPr lang="en-US" altLang="zh-CN" b="0" i="1" smtClean="0">
+                              <a:latin typeface="Cambria Math" panose="02040503050406030204" pitchFamily="18" charset="0"/>
+                            </a:rPr>
+                          </m:ctrlPr>
+                        </m:sSubPr>
+                        <m:e>
+                          <m:r>
+                            <a:rPr lang="en-US" altLang="zh-CN" b="0" i="1" smtClean="0">
+                              <a:latin typeface="Cambria Math" panose="02040503050406030204" pitchFamily="18" charset="0"/>
+                            </a:rPr>
+                            <m:t>ℍ</m:t>
+                          </m:r>
+                        </m:e>
+                        <m:sub>
+                          <m:r>
+                            <a:rPr lang="en-US" altLang="zh-CN" b="0" i="1" smtClean="0">
+                              <a:latin typeface="Cambria Math" panose="02040503050406030204" pitchFamily="18" charset="0"/>
+                            </a:rPr>
+                            <m:t>1</m:t>
+                          </m:r>
+                        </m:sub>
+                      </m:sSub>
+                      <m:r>
+                        <a:rPr lang="en-US" altLang="zh-CN" b="0" i="1" smtClean="0">
+                          <a:latin typeface="Cambria Math" panose="02040503050406030204" pitchFamily="18" charset="0"/>
+                        </a:rPr>
+                        <m:t>,</m:t>
+                      </m:r>
+                      <m:sSub>
+                        <m:sSubPr>
+                          <m:ctrlPr>
+                            <a:rPr lang="en-US" altLang="zh-CN" b="0" i="1" smtClean="0">
+                              <a:latin typeface="Cambria Math" panose="02040503050406030204" pitchFamily="18" charset="0"/>
+                            </a:rPr>
+                          </m:ctrlPr>
+                        </m:sSubPr>
+                        <m:e>
+                          <m:r>
+                            <a:rPr lang="en-US" altLang="zh-CN" b="0" i="1" smtClean="0">
+                              <a:latin typeface="Cambria Math" panose="02040503050406030204" pitchFamily="18" charset="0"/>
+                            </a:rPr>
+                            <m:t>ℍ</m:t>
+                          </m:r>
+                        </m:e>
+                        <m:sub>
+                          <m:r>
+                            <a:rPr lang="en-US" altLang="zh-CN" b="0" i="1" smtClean="0">
+                              <a:latin typeface="Cambria Math" panose="02040503050406030204" pitchFamily="18" charset="0"/>
+                            </a:rPr>
+                            <m:t>2</m:t>
+                          </m:r>
+                        </m:sub>
+                      </m:sSub>
+                      <m:r>
+                        <a:rPr lang="en-US" altLang="zh-CN" b="0" i="1" smtClean="0">
+                          <a:latin typeface="Cambria Math" panose="02040503050406030204" pitchFamily="18" charset="0"/>
+                        </a:rPr>
+                        <m:t>,…,</m:t>
+                      </m:r>
+                      <m:sSub>
+                        <m:sSubPr>
+                          <m:ctrlPr>
+                            <a:rPr lang="en-US" altLang="zh-CN" b="0" i="1" smtClean="0">
+                              <a:latin typeface="Cambria Math" panose="02040503050406030204" pitchFamily="18" charset="0"/>
+                            </a:rPr>
+                          </m:ctrlPr>
+                        </m:sSubPr>
+                        <m:e>
+                          <m:r>
+                            <a:rPr lang="en-US" altLang="zh-CN" b="0" i="1" smtClean="0">
+                              <a:latin typeface="Cambria Math" panose="02040503050406030204" pitchFamily="18" charset="0"/>
+                            </a:rPr>
+                            <m:t>ℍ</m:t>
+                          </m:r>
+                        </m:e>
+                        <m:sub>
+                          <m:r>
+                            <a:rPr lang="en-US" altLang="zh-CN" b="0" i="1" smtClean="0">
+                              <a:latin typeface="Cambria Math" panose="02040503050406030204" pitchFamily="18" charset="0"/>
+                            </a:rPr>
+                            <m:t>5</m:t>
+                          </m:r>
+                        </m:sub>
+                      </m:sSub>
+                    </m:oMath>
+                  </a14:m>
+                  <a:endParaRPr lang="en-US" dirty="0"/>
+                </a:p>
+              </p:txBody>
+            </p:sp>
+          </mc:Choice>
+          <mc:Fallback xmlns="">
+            <p:sp>
+              <p:nvSpPr>
+                <p:cNvPr id="233" name="TextBox 232"/>
+                <p:cNvSpPr txBox="1">
+                  <a:spLocks noRot="1" noChangeAspect="1" noMove="1" noResize="1" noEditPoints="1" noAdjustHandles="1" noChangeArrowheads="1" noChangeShapeType="1" noTextEdit="1"/>
+                </p:cNvSpPr>
+                <p:nvPr/>
+              </p:nvSpPr>
+              <p:spPr>
+                <a:xfrm>
+                  <a:off x="3649942" y="8021065"/>
+                  <a:ext cx="3767378" cy="369332"/>
+                </a:xfrm>
+                <a:prstGeom prst="rect">
+                  <a:avLst/>
+                </a:prstGeom>
+                <a:blipFill>
+                  <a:blip r:embed="rId10"/>
+                  <a:stretch>
+                    <a:fillRect l="-1456" t="-8197" b="-24590"/>
+                  </a:stretch>
+                </a:blipFill>
+              </p:spPr>
+              <p:txBody>
+                <a:bodyPr/>
+                <a:lstStyle/>
+                <a:p>
+                  <a:r>
+                    <a:rPr lang="en-US">
+                      <a:noFill/>
+                    </a:rPr>
+                    <a:t> </a:t>
+                  </a:r>
+                </a:p>
+              </p:txBody>
+            </p:sp>
+          </mc:Fallback>
+        </mc:AlternateContent>
+        <p:sp>
+          <p:nvSpPr>
+            <p:cNvPr id="234" name="Oval 233"/>
+            <p:cNvSpPr/>
+            <p:nvPr/>
+          </p:nvSpPr>
+          <p:spPr>
+            <a:xfrm>
+              <a:off x="2251053" y="9510897"/>
+              <a:ext cx="137160" cy="137160"/>
+            </a:xfrm>
+            <a:prstGeom prst="ellipse">
+              <a:avLst/>
+            </a:prstGeom>
+            <a:ln/>
+          </p:spPr>
+          <p:style>
+            <a:lnRef idx="2">
+              <a:schemeClr val="accent4">
+                <a:shade val="50000"/>
+              </a:schemeClr>
+            </a:lnRef>
+            <a:fillRef idx="1">
+              <a:schemeClr val="accent4"/>
+            </a:fillRef>
+            <a:effectRef idx="0">
+              <a:schemeClr val="accent4"/>
+            </a:effectRef>
+            <a:fontRef idx="minor">
+              <a:schemeClr val="lt1"/>
+            </a:fontRef>
+          </p:style>
+          <p:txBody>
+            <a:bodyPr rtlCol="0" anchor="ctr"/>
+            <a:lstStyle/>
+            <a:p>
+              <a:pPr algn="ctr"/>
+              <a:endParaRPr lang="en-US"/>
+            </a:p>
+          </p:txBody>
+        </p:sp>
+        <p:sp>
+          <p:nvSpPr>
+            <p:cNvPr id="235" name="Oval 234"/>
+            <p:cNvSpPr/>
+            <p:nvPr/>
+          </p:nvSpPr>
+          <p:spPr>
+            <a:xfrm>
+              <a:off x="2863227" y="8338090"/>
+              <a:ext cx="137160" cy="137160"/>
+            </a:xfrm>
+            <a:prstGeom prst="ellipse">
+              <a:avLst/>
+            </a:prstGeom>
+            <a:ln/>
+          </p:spPr>
+          <p:style>
+            <a:lnRef idx="2">
+              <a:schemeClr val="accent4">
+                <a:shade val="50000"/>
+              </a:schemeClr>
+            </a:lnRef>
+            <a:fillRef idx="1">
+              <a:schemeClr val="accent4"/>
+            </a:fillRef>
+            <a:effectRef idx="0">
+              <a:schemeClr val="accent4"/>
+            </a:effectRef>
+            <a:fontRef idx="minor">
+              <a:schemeClr val="lt1"/>
+            </a:fontRef>
+          </p:style>
+          <p:txBody>
+            <a:bodyPr rtlCol="0" anchor="ctr"/>
+            <a:lstStyle/>
+            <a:p>
+              <a:pPr algn="ctr"/>
+              <a:endParaRPr lang="en-US"/>
+            </a:p>
+          </p:txBody>
+        </p:sp>
+        <p:sp>
+          <p:nvSpPr>
+            <p:cNvPr id="236" name="Oval 235"/>
+            <p:cNvSpPr/>
+            <p:nvPr/>
+          </p:nvSpPr>
+          <p:spPr>
+            <a:xfrm>
+              <a:off x="5533631" y="8343462"/>
+              <a:ext cx="137160" cy="137160"/>
+            </a:xfrm>
+            <a:prstGeom prst="ellipse">
+              <a:avLst/>
+            </a:prstGeom>
+            <a:ln/>
+          </p:spPr>
+          <p:style>
+            <a:lnRef idx="2">
+              <a:schemeClr val="accent4">
+                <a:shade val="50000"/>
+              </a:schemeClr>
+            </a:lnRef>
+            <a:fillRef idx="1">
+              <a:schemeClr val="accent4"/>
+            </a:fillRef>
+            <a:effectRef idx="0">
+              <a:schemeClr val="accent4"/>
+            </a:effectRef>
+            <a:fontRef idx="minor">
+              <a:schemeClr val="lt1"/>
+            </a:fontRef>
+          </p:style>
+          <p:txBody>
+            <a:bodyPr rtlCol="0" anchor="ctr"/>
+            <a:lstStyle/>
+            <a:p>
+              <a:pPr algn="ctr"/>
+              <a:endParaRPr lang="en-US"/>
+            </a:p>
+          </p:txBody>
+        </p:sp>
+        <p:cxnSp>
+          <p:nvCxnSpPr>
+            <p:cNvPr id="237" name="Straight Connector 236"/>
+            <p:cNvCxnSpPr>
+              <a:stCxn id="234" idx="4"/>
+              <a:endCxn id="228" idx="0"/>
+            </p:cNvCxnSpPr>
+            <p:nvPr/>
+          </p:nvCxnSpPr>
+          <p:spPr>
+            <a:xfrm>
+              <a:off x="2319633" y="9648057"/>
+              <a:ext cx="32806" cy="749414"/>
+            </a:xfrm>
+            <a:prstGeom prst="line">
+              <a:avLst/>
+            </a:prstGeom>
+            <a:ln w="38100"/>
+          </p:spPr>
+          <p:style>
+            <a:lnRef idx="3">
+              <a:schemeClr val="accent4"/>
+            </a:lnRef>
+            <a:fillRef idx="0">
+              <a:schemeClr val="accent4"/>
+            </a:fillRef>
+            <a:effectRef idx="2">
+              <a:schemeClr val="accent4"/>
+            </a:effectRef>
+            <a:fontRef idx="minor">
+              <a:schemeClr val="tx1"/>
+            </a:fontRef>
+          </p:style>
+        </p:cxnSp>
+        <p:cxnSp>
+          <p:nvCxnSpPr>
+            <p:cNvPr id="238" name="Straight Connector 237"/>
+            <p:cNvCxnSpPr>
+              <a:stCxn id="235" idx="3"/>
+              <a:endCxn id="234" idx="0"/>
+            </p:cNvCxnSpPr>
+            <p:nvPr/>
+          </p:nvCxnSpPr>
+          <p:spPr>
+            <a:xfrm flipH="1">
+              <a:off x="2319633" y="8455163"/>
+              <a:ext cx="563681" cy="1055734"/>
+            </a:xfrm>
+            <a:prstGeom prst="line">
+              <a:avLst/>
+            </a:prstGeom>
+            <a:ln w="38100"/>
+          </p:spPr>
+          <p:style>
+            <a:lnRef idx="3">
+              <a:schemeClr val="accent4"/>
+            </a:lnRef>
+            <a:fillRef idx="0">
+              <a:schemeClr val="accent4"/>
+            </a:fillRef>
+            <a:effectRef idx="2">
+              <a:schemeClr val="accent4"/>
+            </a:effectRef>
+            <a:fontRef idx="minor">
+              <a:schemeClr val="tx1"/>
+            </a:fontRef>
+          </p:style>
+        </p:cxnSp>
+        <p:cxnSp>
+          <p:nvCxnSpPr>
+            <p:cNvPr id="239" name="Straight Connector 238"/>
+            <p:cNvCxnSpPr>
+              <a:stCxn id="235" idx="6"/>
+              <a:endCxn id="236" idx="2"/>
+            </p:cNvCxnSpPr>
+            <p:nvPr/>
+          </p:nvCxnSpPr>
+          <p:spPr>
+            <a:xfrm>
+              <a:off x="3000387" y="8406670"/>
+              <a:ext cx="2533244" cy="5372"/>
+            </a:xfrm>
+            <a:prstGeom prst="line">
+              <a:avLst/>
+            </a:prstGeom>
+            <a:ln w="38100"/>
+          </p:spPr>
+          <p:style>
+            <a:lnRef idx="3">
+              <a:schemeClr val="accent4"/>
+            </a:lnRef>
+            <a:fillRef idx="0">
+              <a:schemeClr val="accent4"/>
+            </a:fillRef>
+            <a:effectRef idx="2">
+              <a:schemeClr val="accent4"/>
+            </a:effectRef>
+            <a:fontRef idx="minor">
+              <a:schemeClr val="tx1"/>
+            </a:fontRef>
+          </p:style>
+        </p:cxnSp>
+        <p:cxnSp>
+          <p:nvCxnSpPr>
+            <p:cNvPr id="240" name="Straight Connector 239"/>
+            <p:cNvCxnSpPr>
+              <a:stCxn id="243" idx="1"/>
+              <a:endCxn id="236" idx="5"/>
+            </p:cNvCxnSpPr>
+            <p:nvPr/>
+          </p:nvCxnSpPr>
+          <p:spPr>
+            <a:xfrm flipH="1" flipV="1">
+              <a:off x="5650704" y="8460535"/>
+              <a:ext cx="230371" cy="326783"/>
+            </a:xfrm>
+            <a:prstGeom prst="line">
+              <a:avLst/>
+            </a:prstGeom>
+            <a:ln w="38100"/>
+          </p:spPr>
+          <p:style>
+            <a:lnRef idx="3">
+              <a:schemeClr val="accent4"/>
+            </a:lnRef>
+            <a:fillRef idx="0">
+              <a:schemeClr val="accent4"/>
+            </a:fillRef>
+            <a:effectRef idx="2">
+              <a:schemeClr val="accent4"/>
+            </a:effectRef>
+            <a:fontRef idx="minor">
+              <a:schemeClr val="tx1"/>
+            </a:fontRef>
+          </p:style>
+        </p:cxnSp>
+        <p:cxnSp>
+          <p:nvCxnSpPr>
+            <p:cNvPr id="241" name="Straight Connector 240"/>
+            <p:cNvCxnSpPr>
+              <a:stCxn id="242" idx="4"/>
+              <a:endCxn id="243" idx="0"/>
+            </p:cNvCxnSpPr>
+            <p:nvPr/>
+          </p:nvCxnSpPr>
+          <p:spPr>
+            <a:xfrm flipH="1" flipV="1">
+              <a:off x="5929568" y="8767231"/>
+              <a:ext cx="373381" cy="1719178"/>
+            </a:xfrm>
+            <a:prstGeom prst="line">
+              <a:avLst/>
+            </a:prstGeom>
+            <a:ln w="38100"/>
+          </p:spPr>
+          <p:style>
+            <a:lnRef idx="3">
+              <a:schemeClr val="accent4"/>
+            </a:lnRef>
+            <a:fillRef idx="0">
+              <a:schemeClr val="accent4"/>
+            </a:fillRef>
+            <a:effectRef idx="2">
+              <a:schemeClr val="accent4"/>
+            </a:effectRef>
+            <a:fontRef idx="minor">
+              <a:schemeClr val="tx1"/>
+            </a:fontRef>
+          </p:style>
+        </p:cxnSp>
+        <p:sp>
+          <p:nvSpPr>
+            <p:cNvPr id="242" name="Oval 241"/>
+            <p:cNvSpPr/>
+            <p:nvPr/>
+          </p:nvSpPr>
+          <p:spPr>
+            <a:xfrm>
+              <a:off x="6234369" y="10349249"/>
+              <a:ext cx="137160" cy="137160"/>
+            </a:xfrm>
+            <a:prstGeom prst="ellipse">
+              <a:avLst/>
+            </a:prstGeom>
+          </p:spPr>
+          <p:style>
+            <a:lnRef idx="2">
+              <a:schemeClr val="accent6">
+                <a:shade val="50000"/>
+              </a:schemeClr>
+            </a:lnRef>
+            <a:fillRef idx="1">
+              <a:schemeClr val="accent6"/>
+            </a:fillRef>
+            <a:effectRef idx="0">
+              <a:schemeClr val="accent6"/>
+            </a:effectRef>
+            <a:fontRef idx="minor">
+              <a:schemeClr val="lt1"/>
+            </a:fontRef>
+          </p:style>
+          <p:txBody>
+            <a:bodyPr rtlCol="0" anchor="ctr"/>
+            <a:lstStyle/>
+            <a:p>
+              <a:pPr algn="ctr"/>
+              <a:endParaRPr lang="en-US"/>
+            </a:p>
+          </p:txBody>
+        </p:sp>
+        <p:sp>
+          <p:nvSpPr>
+            <p:cNvPr id="243" name="Oval 242"/>
+            <p:cNvSpPr/>
+            <p:nvPr/>
+          </p:nvSpPr>
+          <p:spPr>
+            <a:xfrm>
+              <a:off x="5860988" y="8767231"/>
+              <a:ext cx="137160" cy="137160"/>
+            </a:xfrm>
+            <a:prstGeom prst="ellipse">
+              <a:avLst/>
+            </a:prstGeom>
+            <a:ln/>
+          </p:spPr>
+          <p:style>
+            <a:lnRef idx="2">
+              <a:schemeClr val="accent4">
+                <a:shade val="50000"/>
+              </a:schemeClr>
+            </a:lnRef>
+            <a:fillRef idx="1">
+              <a:schemeClr val="accent4"/>
+            </a:fillRef>
+            <a:effectRef idx="0">
+              <a:schemeClr val="accent4"/>
+            </a:effectRef>
+            <a:fontRef idx="minor">
+              <a:schemeClr val="lt1"/>
+            </a:fontRef>
+          </p:style>
+          <p:txBody>
+            <a:bodyPr rtlCol="0" anchor="ctr"/>
+            <a:lstStyle/>
+            <a:p>
+              <a:pPr algn="ctr"/>
+              <a:endParaRPr lang="en-US"/>
+            </a:p>
+          </p:txBody>
+        </p:sp>
+      </p:grpSp>
+      <p:sp>
+        <p:nvSpPr>
+          <p:cNvPr id="244" name="Down Arrow 243"/>
+          <p:cNvSpPr/>
+          <p:nvPr/>
+        </p:nvSpPr>
+        <p:spPr>
+          <a:xfrm>
+            <a:off x="4009292" y="3536601"/>
+            <a:ext cx="563217" cy="924419"/>
+          </a:xfrm>
+          <a:prstGeom prst="downArrow">
+            <a:avLst/>
+          </a:prstGeom>
+        </p:spPr>
+        <p:style>
+          <a:lnRef idx="2">
+            <a:schemeClr val="accent6">
+              <a:shade val="50000"/>
+            </a:schemeClr>
+          </a:lnRef>
+          <a:fillRef idx="1">
+            <a:schemeClr val="accent6"/>
+          </a:fillRef>
+          <a:effectRef idx="0">
+            <a:schemeClr val="accent6"/>
+          </a:effectRef>
+          <a:fontRef idx="minor">
+            <a:schemeClr val="lt1"/>
+          </a:fontRef>
+        </p:style>
+        <p:txBody>
+          <a:bodyPr rtlCol="0" anchor="ctr"/>
+          <a:lstStyle/>
+          <a:p>
+            <a:pPr algn="ctr"/>
+            <a:endParaRPr lang="en-US"/>
+          </a:p>
+        </p:txBody>
+      </p:sp>
+      <p:sp>
+        <p:nvSpPr>
+          <p:cNvPr id="245" name="Down Arrow 244"/>
+          <p:cNvSpPr/>
+          <p:nvPr/>
+        </p:nvSpPr>
+        <p:spPr>
+          <a:xfrm>
+            <a:off x="4007719" y="7785849"/>
+            <a:ext cx="563217" cy="924419"/>
+          </a:xfrm>
+          <a:prstGeom prst="downArrow">
+            <a:avLst/>
+          </a:prstGeom>
+        </p:spPr>
+        <p:style>
+          <a:lnRef idx="2">
+            <a:schemeClr val="accent6">
+              <a:shade val="50000"/>
+            </a:schemeClr>
+          </a:lnRef>
+          <a:fillRef idx="1">
+            <a:schemeClr val="accent6"/>
+          </a:fillRef>
+          <a:effectRef idx="0">
+            <a:schemeClr val="accent6"/>
+          </a:effectRef>
+          <a:fontRef idx="minor">
+            <a:schemeClr val="lt1"/>
+          </a:fontRef>
+        </p:style>
+        <p:txBody>
+          <a:bodyPr rtlCol="0" anchor="ctr"/>
+          <a:lstStyle/>
+          <a:p>
+            <a:pPr algn="ctr"/>
+            <a:endParaRPr lang="en-US"/>
+          </a:p>
+        </p:txBody>
+      </p:sp>
     </p:spTree>
     <p:extLst>
       <p:ext uri="{BB962C8B-B14F-4D97-AF65-F5344CB8AC3E}">
-        <p14:creationId xmlns:p14="http://schemas.microsoft.com/office/powerpoint/2010/main" val="998669571"/>
+        <p14:creationId xmlns:p14="http://schemas.microsoft.com/office/powerpoint/2010/main" val="496157704"/>
       </p:ext>
     </p:extLst>
   </p:cSld>
   <p:clrMapOvr>
     <a:masterClrMapping/>
   </p:clrMapOvr>
-  <p:timing>
-    <p:tnLst>
-      <p:par>
-        <p:cTn id="1" dur="indefinite" restart="never" nodeType="tmRoot"/>
-      </p:par>
-    </p:tnLst>
-  </p:timing>
 </p:sld>
 </file>
 
@@ -4431,9 +5602,9 @@
         <a:latin typeface="Calibri Light" panose="020F0302020204030204"/>
         <a:ea typeface=""/>
         <a:cs typeface=""/>
-        <a:font script="Jpan" typeface="ＭＳ Ｐゴシック"/>
+        <a:font script="Jpan" typeface="游ゴシック Light"/>
         <a:font script="Hang" typeface="맑은 고딕"/>
-        <a:font script="Hans" typeface="宋体"/>
+        <a:font script="Hans" typeface="等线 Light"/>
         <a:font script="Hant" typeface="新細明體"/>
         <a:font script="Arab" typeface="Times New Roman"/>
         <a:font script="Hebr" typeface="Times New Roman"/>
@@ -4466,9 +5637,9 @@
         <a:latin typeface="Calibri" panose="020F0502020204030204"/>
         <a:ea typeface=""/>
         <a:cs typeface=""/>
-        <a:font script="Jpan" typeface="ＭＳ Ｐゴシック"/>
+        <a:font script="Jpan" typeface="游ゴシック"/>
         <a:font script="Hang" typeface="맑은 고딕"/>
-        <a:font script="Hans" typeface="宋体"/>
+        <a:font script="Hans" typeface="等线"/>
         <a:font script="Hant" typeface="新細明體"/>
         <a:font script="Arab" typeface="Arial"/>
         <a:font script="Hebr" typeface="Arial"/>
